--- a/Plots/Figures-Abhinav’s MacBook Air.pptx
+++ b/Plots/Figures-Abhinav’s MacBook Air.pptx
@@ -125,14 +125,6 @@
     </p:ext>
   </p:extLst>
 </p:presentation>
-</file>
-
-<file path=ppt/revisionInfo.xml><?xml version="1.0" encoding="utf-8"?>
-<p1510:revInfo xmlns:a="http://schemas.openxmlformats.org/drawingml/2006/main" xmlns:r="http://schemas.openxmlformats.org/officeDocument/2006/relationships" xmlns:p1510="http://schemas.microsoft.com/office/powerpoint/2015/10/main">
-  <p1510:revLst>
-    <p1510:client id="{BF0C81C0-9F18-4B48-9597-452EA61A2565}" v="796" dt="2023-03-29T20:48:48.822"/>
-  </p1510:revLst>
-</p1510:revInfo>
 </file>
 
 <file path=ppt/changesInfos/changesInfo1.xml><?xml version="1.0" encoding="utf-8"?>
@@ -2299,6 +2291,382 @@
       </pc:sldChg>
     </pc:docChg>
   </pc:docChgLst>
+  <pc:docChgLst>
+    <pc:chgData name="Abhinav Dahiya" userId="36c413f4-0d58-44c6-a769-5271ebcd0140" providerId="ADAL" clId="{EE946976-129C-4862-A48E-5EC50F5BB6E0}"/>
+    <pc:docChg chg="modSld">
+      <pc:chgData name="Abhinav Dahiya" userId="36c413f4-0d58-44c6-a769-5271ebcd0140" providerId="ADAL" clId="{EE946976-129C-4862-A48E-5EC50F5BB6E0}" dt="2023-04-03T16:19:38.623" v="87" actId="1036"/>
+      <pc:docMkLst>
+        <pc:docMk/>
+      </pc:docMkLst>
+      <pc:sldChg chg="modSp mod">
+        <pc:chgData name="Abhinav Dahiya" userId="36c413f4-0d58-44c6-a769-5271ebcd0140" providerId="ADAL" clId="{EE946976-129C-4862-A48E-5EC50F5BB6E0}" dt="2023-04-03T16:19:38.623" v="87" actId="1036"/>
+        <pc:sldMkLst>
+          <pc:docMk/>
+          <pc:sldMk cId="4122018456" sldId="268"/>
+        </pc:sldMkLst>
+        <pc:spChg chg="mod">
+          <ac:chgData name="Abhinav Dahiya" userId="36c413f4-0d58-44c6-a769-5271ebcd0140" providerId="ADAL" clId="{EE946976-129C-4862-A48E-5EC50F5BB6E0}" dt="2023-04-03T16:19:10.350" v="17" actId="1035"/>
+          <ac:spMkLst>
+            <pc:docMk/>
+            <pc:sldMk cId="4122018456" sldId="268"/>
+            <ac:spMk id="2" creationId="{BAA6A077-4A59-0236-8C6B-6F91137F4115}"/>
+          </ac:spMkLst>
+        </pc:spChg>
+        <pc:spChg chg="mod">
+          <ac:chgData name="Abhinav Dahiya" userId="36c413f4-0d58-44c6-a769-5271ebcd0140" providerId="ADAL" clId="{EE946976-129C-4862-A48E-5EC50F5BB6E0}" dt="2023-04-03T16:19:10.350" v="17" actId="1035"/>
+          <ac:spMkLst>
+            <pc:docMk/>
+            <pc:sldMk cId="4122018456" sldId="268"/>
+            <ac:spMk id="6" creationId="{8EA2CBB7-51B2-F977-E58F-8A1ABB899C3D}"/>
+          </ac:spMkLst>
+        </pc:spChg>
+        <pc:spChg chg="mod">
+          <ac:chgData name="Abhinav Dahiya" userId="36c413f4-0d58-44c6-a769-5271ebcd0140" providerId="ADAL" clId="{EE946976-129C-4862-A48E-5EC50F5BB6E0}" dt="2023-04-03T16:19:10.350" v="17" actId="1035"/>
+          <ac:spMkLst>
+            <pc:docMk/>
+            <pc:sldMk cId="4122018456" sldId="268"/>
+            <ac:spMk id="9" creationId="{1A64D99F-A61D-8F9B-D9D2-5E7BA07F5580}"/>
+          </ac:spMkLst>
+        </pc:spChg>
+        <pc:spChg chg="mod">
+          <ac:chgData name="Abhinav Dahiya" userId="36c413f4-0d58-44c6-a769-5271ebcd0140" providerId="ADAL" clId="{EE946976-129C-4862-A48E-5EC50F5BB6E0}" dt="2023-04-03T16:19:10.350" v="17" actId="1035"/>
+          <ac:spMkLst>
+            <pc:docMk/>
+            <pc:sldMk cId="4122018456" sldId="268"/>
+            <ac:spMk id="12" creationId="{BC7E9FF7-1973-2BCF-FAC3-3FE1CA05A992}"/>
+          </ac:spMkLst>
+        </pc:spChg>
+        <pc:spChg chg="mod">
+          <ac:chgData name="Abhinav Dahiya" userId="36c413f4-0d58-44c6-a769-5271ebcd0140" providerId="ADAL" clId="{EE946976-129C-4862-A48E-5EC50F5BB6E0}" dt="2023-04-03T16:19:10.350" v="17" actId="1035"/>
+          <ac:spMkLst>
+            <pc:docMk/>
+            <pc:sldMk cId="4122018456" sldId="268"/>
+            <ac:spMk id="25" creationId="{C8A3C57C-EE6D-2DBE-02B5-0F5ADDF3E2D7}"/>
+          </ac:spMkLst>
+        </pc:spChg>
+        <pc:spChg chg="mod">
+          <ac:chgData name="Abhinav Dahiya" userId="36c413f4-0d58-44c6-a769-5271ebcd0140" providerId="ADAL" clId="{EE946976-129C-4862-A48E-5EC50F5BB6E0}" dt="2023-04-03T16:19:10.350" v="17" actId="1035"/>
+          <ac:spMkLst>
+            <pc:docMk/>
+            <pc:sldMk cId="4122018456" sldId="268"/>
+            <ac:spMk id="34" creationId="{BCA54D5E-C1B2-0CD9-3634-FCFE196A46E0}"/>
+          </ac:spMkLst>
+        </pc:spChg>
+        <pc:spChg chg="mod">
+          <ac:chgData name="Abhinav Dahiya" userId="36c413f4-0d58-44c6-a769-5271ebcd0140" providerId="ADAL" clId="{EE946976-129C-4862-A48E-5EC50F5BB6E0}" dt="2023-04-03T16:19:10.350" v="17" actId="1035"/>
+          <ac:spMkLst>
+            <pc:docMk/>
+            <pc:sldMk cId="4122018456" sldId="268"/>
+            <ac:spMk id="39" creationId="{B819FC7E-EF11-3CCC-F7ED-1913E6C93772}"/>
+          </ac:spMkLst>
+        </pc:spChg>
+        <pc:spChg chg="mod">
+          <ac:chgData name="Abhinav Dahiya" userId="36c413f4-0d58-44c6-a769-5271ebcd0140" providerId="ADAL" clId="{EE946976-129C-4862-A48E-5EC50F5BB6E0}" dt="2023-04-03T16:19:10.350" v="17" actId="1035"/>
+          <ac:spMkLst>
+            <pc:docMk/>
+            <pc:sldMk cId="4122018456" sldId="268"/>
+            <ac:spMk id="48" creationId="{78893A6B-C19A-F58C-32CF-379EF67783A8}"/>
+          </ac:spMkLst>
+        </pc:spChg>
+        <pc:spChg chg="mod">
+          <ac:chgData name="Abhinav Dahiya" userId="36c413f4-0d58-44c6-a769-5271ebcd0140" providerId="ADAL" clId="{EE946976-129C-4862-A48E-5EC50F5BB6E0}" dt="2023-04-03T16:19:10.350" v="17" actId="1035"/>
+          <ac:spMkLst>
+            <pc:docMk/>
+            <pc:sldMk cId="4122018456" sldId="268"/>
+            <ac:spMk id="49" creationId="{6ACA26AD-5751-33D2-84C5-FAEE8BCCF6CF}"/>
+          </ac:spMkLst>
+        </pc:spChg>
+        <pc:spChg chg="mod">
+          <ac:chgData name="Abhinav Dahiya" userId="36c413f4-0d58-44c6-a769-5271ebcd0140" providerId="ADAL" clId="{EE946976-129C-4862-A48E-5EC50F5BB6E0}" dt="2023-04-03T16:19:38.623" v="87" actId="1036"/>
+          <ac:spMkLst>
+            <pc:docMk/>
+            <pc:sldMk cId="4122018456" sldId="268"/>
+            <ac:spMk id="65" creationId="{1A5288D3-5241-DBC7-C9BD-E3EA7FF38965}"/>
+          </ac:spMkLst>
+        </pc:spChg>
+        <pc:spChg chg="mod">
+          <ac:chgData name="Abhinav Dahiya" userId="36c413f4-0d58-44c6-a769-5271ebcd0140" providerId="ADAL" clId="{EE946976-129C-4862-A48E-5EC50F5BB6E0}" dt="2023-04-03T16:19:10.350" v="17" actId="1035"/>
+          <ac:spMkLst>
+            <pc:docMk/>
+            <pc:sldMk cId="4122018456" sldId="268"/>
+            <ac:spMk id="78" creationId="{250BD83C-C6D8-6617-BC9B-293CAA220420}"/>
+          </ac:spMkLst>
+        </pc:spChg>
+        <pc:spChg chg="mod">
+          <ac:chgData name="Abhinav Dahiya" userId="36c413f4-0d58-44c6-a769-5271ebcd0140" providerId="ADAL" clId="{EE946976-129C-4862-A48E-5EC50F5BB6E0}" dt="2023-04-03T16:19:10.350" v="17" actId="1035"/>
+          <ac:spMkLst>
+            <pc:docMk/>
+            <pc:sldMk cId="4122018456" sldId="268"/>
+            <ac:spMk id="93" creationId="{E4DF804F-D045-1219-3959-BC8786EE05FE}"/>
+          </ac:spMkLst>
+        </pc:spChg>
+        <pc:spChg chg="mod">
+          <ac:chgData name="Abhinav Dahiya" userId="36c413f4-0d58-44c6-a769-5271ebcd0140" providerId="ADAL" clId="{EE946976-129C-4862-A48E-5EC50F5BB6E0}" dt="2023-04-03T16:19:10.350" v="17" actId="1035"/>
+          <ac:spMkLst>
+            <pc:docMk/>
+            <pc:sldMk cId="4122018456" sldId="268"/>
+            <ac:spMk id="99" creationId="{95E71B0B-F0A6-974B-8AF3-0BE2ED33DFD3}"/>
+          </ac:spMkLst>
+        </pc:spChg>
+        <pc:spChg chg="mod">
+          <ac:chgData name="Abhinav Dahiya" userId="36c413f4-0d58-44c6-a769-5271ebcd0140" providerId="ADAL" clId="{EE946976-129C-4862-A48E-5EC50F5BB6E0}" dt="2023-04-03T16:19:10.350" v="17" actId="1035"/>
+          <ac:spMkLst>
+            <pc:docMk/>
+            <pc:sldMk cId="4122018456" sldId="268"/>
+            <ac:spMk id="110" creationId="{6629C4F6-B69C-1198-FC9E-F7A5364C4862}"/>
+          </ac:spMkLst>
+        </pc:spChg>
+        <pc:spChg chg="mod">
+          <ac:chgData name="Abhinav Dahiya" userId="36c413f4-0d58-44c6-a769-5271ebcd0140" providerId="ADAL" clId="{EE946976-129C-4862-A48E-5EC50F5BB6E0}" dt="2023-04-03T16:19:10.350" v="17" actId="1035"/>
+          <ac:spMkLst>
+            <pc:docMk/>
+            <pc:sldMk cId="4122018456" sldId="268"/>
+            <ac:spMk id="124" creationId="{5308FC66-93BC-D679-6618-FFB2C29C1D6A}"/>
+          </ac:spMkLst>
+        </pc:spChg>
+        <pc:spChg chg="mod">
+          <ac:chgData name="Abhinav Dahiya" userId="36c413f4-0d58-44c6-a769-5271ebcd0140" providerId="ADAL" clId="{EE946976-129C-4862-A48E-5EC50F5BB6E0}" dt="2023-04-03T16:19:10.350" v="17" actId="1035"/>
+          <ac:spMkLst>
+            <pc:docMk/>
+            <pc:sldMk cId="4122018456" sldId="268"/>
+            <ac:spMk id="125" creationId="{60B4485B-6440-4878-F16F-F415E11D989E}"/>
+          </ac:spMkLst>
+        </pc:spChg>
+        <pc:spChg chg="mod">
+          <ac:chgData name="Abhinav Dahiya" userId="36c413f4-0d58-44c6-a769-5271ebcd0140" providerId="ADAL" clId="{EE946976-129C-4862-A48E-5EC50F5BB6E0}" dt="2023-04-03T16:19:10.350" v="17" actId="1035"/>
+          <ac:spMkLst>
+            <pc:docMk/>
+            <pc:sldMk cId="4122018456" sldId="268"/>
+            <ac:spMk id="126" creationId="{21BCAC37-91FE-011E-2CBC-CDBA38651B19}"/>
+          </ac:spMkLst>
+        </pc:spChg>
+        <pc:spChg chg="mod">
+          <ac:chgData name="Abhinav Dahiya" userId="36c413f4-0d58-44c6-a769-5271ebcd0140" providerId="ADAL" clId="{EE946976-129C-4862-A48E-5EC50F5BB6E0}" dt="2023-04-03T16:19:10.350" v="17" actId="1035"/>
+          <ac:spMkLst>
+            <pc:docMk/>
+            <pc:sldMk cId="4122018456" sldId="268"/>
+            <ac:spMk id="128" creationId="{BF5E70BA-F833-BDCD-FC90-AFED55EC06AF}"/>
+          </ac:spMkLst>
+        </pc:spChg>
+        <pc:spChg chg="mod">
+          <ac:chgData name="Abhinav Dahiya" userId="36c413f4-0d58-44c6-a769-5271ebcd0140" providerId="ADAL" clId="{EE946976-129C-4862-A48E-5EC50F5BB6E0}" dt="2023-04-03T16:19:10.350" v="17" actId="1035"/>
+          <ac:spMkLst>
+            <pc:docMk/>
+            <pc:sldMk cId="4122018456" sldId="268"/>
+            <ac:spMk id="150" creationId="{CBC7CC13-A34F-A888-D49B-4CC6F2EF6C9A}"/>
+          </ac:spMkLst>
+        </pc:spChg>
+        <pc:grpChg chg="mod">
+          <ac:chgData name="Abhinav Dahiya" userId="36c413f4-0d58-44c6-a769-5271ebcd0140" providerId="ADAL" clId="{EE946976-129C-4862-A48E-5EC50F5BB6E0}" dt="2023-04-03T16:19:10.350" v="17" actId="1035"/>
+          <ac:grpSpMkLst>
+            <pc:docMk/>
+            <pc:sldMk cId="4122018456" sldId="268"/>
+            <ac:grpSpMk id="15" creationId="{FD690F5D-4249-DB6A-E0C7-A539225D7C0B}"/>
+          </ac:grpSpMkLst>
+        </pc:grpChg>
+        <pc:grpChg chg="mod">
+          <ac:chgData name="Abhinav Dahiya" userId="36c413f4-0d58-44c6-a769-5271ebcd0140" providerId="ADAL" clId="{EE946976-129C-4862-A48E-5EC50F5BB6E0}" dt="2023-04-03T16:19:10.350" v="17" actId="1035"/>
+          <ac:grpSpMkLst>
+            <pc:docMk/>
+            <pc:sldMk cId="4122018456" sldId="268"/>
+            <ac:grpSpMk id="35" creationId="{60A99FCA-0EA0-BBC2-89EF-8849A7085BA5}"/>
+          </ac:grpSpMkLst>
+        </pc:grpChg>
+        <pc:grpChg chg="mod">
+          <ac:chgData name="Abhinav Dahiya" userId="36c413f4-0d58-44c6-a769-5271ebcd0140" providerId="ADAL" clId="{EE946976-129C-4862-A48E-5EC50F5BB6E0}" dt="2023-04-03T16:19:10.350" v="17" actId="1035"/>
+          <ac:grpSpMkLst>
+            <pc:docMk/>
+            <pc:sldMk cId="4122018456" sldId="268"/>
+            <ac:grpSpMk id="165" creationId="{7CDEE8F4-E40B-9E2B-FA27-CA1D67962D7D}"/>
+          </ac:grpSpMkLst>
+        </pc:grpChg>
+        <pc:cxnChg chg="mod">
+          <ac:chgData name="Abhinav Dahiya" userId="36c413f4-0d58-44c6-a769-5271ebcd0140" providerId="ADAL" clId="{EE946976-129C-4862-A48E-5EC50F5BB6E0}" dt="2023-04-03T16:19:10.350" v="17" actId="1035"/>
+          <ac:cxnSpMkLst>
+            <pc:docMk/>
+            <pc:sldMk cId="4122018456" sldId="268"/>
+            <ac:cxnSpMk id="3" creationId="{6C95B88C-7B2A-C8F9-AA8E-A8493ACB13CE}"/>
+          </ac:cxnSpMkLst>
+        </pc:cxnChg>
+        <pc:cxnChg chg="mod">
+          <ac:chgData name="Abhinav Dahiya" userId="36c413f4-0d58-44c6-a769-5271ebcd0140" providerId="ADAL" clId="{EE946976-129C-4862-A48E-5EC50F5BB6E0}" dt="2023-04-03T16:19:10.350" v="17" actId="1035"/>
+          <ac:cxnSpMkLst>
+            <pc:docMk/>
+            <pc:sldMk cId="4122018456" sldId="268"/>
+            <ac:cxnSpMk id="7" creationId="{B8420A21-98C6-24FD-9336-184638B9836F}"/>
+          </ac:cxnSpMkLst>
+        </pc:cxnChg>
+        <pc:cxnChg chg="mod">
+          <ac:chgData name="Abhinav Dahiya" userId="36c413f4-0d58-44c6-a769-5271ebcd0140" providerId="ADAL" clId="{EE946976-129C-4862-A48E-5EC50F5BB6E0}" dt="2023-04-03T16:19:10.350" v="17" actId="1035"/>
+          <ac:cxnSpMkLst>
+            <pc:docMk/>
+            <pc:sldMk cId="4122018456" sldId="268"/>
+            <ac:cxnSpMk id="10" creationId="{0769B351-A543-49DC-8A74-7B4DA31C5362}"/>
+          </ac:cxnSpMkLst>
+        </pc:cxnChg>
+        <pc:cxnChg chg="mod">
+          <ac:chgData name="Abhinav Dahiya" userId="36c413f4-0d58-44c6-a769-5271ebcd0140" providerId="ADAL" clId="{EE946976-129C-4862-A48E-5EC50F5BB6E0}" dt="2023-04-03T16:19:10.350" v="17" actId="1035"/>
+          <ac:cxnSpMkLst>
+            <pc:docMk/>
+            <pc:sldMk cId="4122018456" sldId="268"/>
+            <ac:cxnSpMk id="11" creationId="{88BBAAD9-9CCB-417A-C9E6-E1313E4CB1A8}"/>
+          </ac:cxnSpMkLst>
+        </pc:cxnChg>
+        <pc:cxnChg chg="mod">
+          <ac:chgData name="Abhinav Dahiya" userId="36c413f4-0d58-44c6-a769-5271ebcd0140" providerId="ADAL" clId="{EE946976-129C-4862-A48E-5EC50F5BB6E0}" dt="2023-04-03T16:19:10.350" v="17" actId="1035"/>
+          <ac:cxnSpMkLst>
+            <pc:docMk/>
+            <pc:sldMk cId="4122018456" sldId="268"/>
+            <ac:cxnSpMk id="26" creationId="{0FDFB431-24DF-CB2C-396B-E99ACF146BBF}"/>
+          </ac:cxnSpMkLst>
+        </pc:cxnChg>
+        <pc:cxnChg chg="mod">
+          <ac:chgData name="Abhinav Dahiya" userId="36c413f4-0d58-44c6-a769-5271ebcd0140" providerId="ADAL" clId="{EE946976-129C-4862-A48E-5EC50F5BB6E0}" dt="2023-04-03T16:19:10.350" v="17" actId="1035"/>
+          <ac:cxnSpMkLst>
+            <pc:docMk/>
+            <pc:sldMk cId="4122018456" sldId="268"/>
+            <ac:cxnSpMk id="33" creationId="{E7D76736-FDF7-6B6C-AC81-A547826770E7}"/>
+          </ac:cxnSpMkLst>
+        </pc:cxnChg>
+        <pc:cxnChg chg="mod">
+          <ac:chgData name="Abhinav Dahiya" userId="36c413f4-0d58-44c6-a769-5271ebcd0140" providerId="ADAL" clId="{EE946976-129C-4862-A48E-5EC50F5BB6E0}" dt="2023-04-03T16:19:10.350" v="17" actId="1035"/>
+          <ac:cxnSpMkLst>
+            <pc:docMk/>
+            <pc:sldMk cId="4122018456" sldId="268"/>
+            <ac:cxnSpMk id="38" creationId="{9E50F292-C1B1-23A8-5573-F248BEEC093A}"/>
+          </ac:cxnSpMkLst>
+        </pc:cxnChg>
+        <pc:cxnChg chg="mod">
+          <ac:chgData name="Abhinav Dahiya" userId="36c413f4-0d58-44c6-a769-5271ebcd0140" providerId="ADAL" clId="{EE946976-129C-4862-A48E-5EC50F5BB6E0}" dt="2023-04-03T16:19:10.350" v="17" actId="1035"/>
+          <ac:cxnSpMkLst>
+            <pc:docMk/>
+            <pc:sldMk cId="4122018456" sldId="268"/>
+            <ac:cxnSpMk id="52" creationId="{69F2542C-A985-7C15-D5B7-790B7976242A}"/>
+          </ac:cxnSpMkLst>
+        </pc:cxnChg>
+        <pc:cxnChg chg="mod">
+          <ac:chgData name="Abhinav Dahiya" userId="36c413f4-0d58-44c6-a769-5271ebcd0140" providerId="ADAL" clId="{EE946976-129C-4862-A48E-5EC50F5BB6E0}" dt="2023-04-03T16:19:10.350" v="17" actId="1035"/>
+          <ac:cxnSpMkLst>
+            <pc:docMk/>
+            <pc:sldMk cId="4122018456" sldId="268"/>
+            <ac:cxnSpMk id="59" creationId="{B4FD46CF-9AAF-5DED-124E-773D3B1A1CE3}"/>
+          </ac:cxnSpMkLst>
+        </pc:cxnChg>
+        <pc:cxnChg chg="mod">
+          <ac:chgData name="Abhinav Dahiya" userId="36c413f4-0d58-44c6-a769-5271ebcd0140" providerId="ADAL" clId="{EE946976-129C-4862-A48E-5EC50F5BB6E0}" dt="2023-04-03T16:19:10.350" v="17" actId="1035"/>
+          <ac:cxnSpMkLst>
+            <pc:docMk/>
+            <pc:sldMk cId="4122018456" sldId="268"/>
+            <ac:cxnSpMk id="69" creationId="{B2B0648C-D13B-8E8F-CB8F-16B1D13E5E1E}"/>
+          </ac:cxnSpMkLst>
+        </pc:cxnChg>
+        <pc:cxnChg chg="mod">
+          <ac:chgData name="Abhinav Dahiya" userId="36c413f4-0d58-44c6-a769-5271ebcd0140" providerId="ADAL" clId="{EE946976-129C-4862-A48E-5EC50F5BB6E0}" dt="2023-04-03T16:19:10.350" v="17" actId="1035"/>
+          <ac:cxnSpMkLst>
+            <pc:docMk/>
+            <pc:sldMk cId="4122018456" sldId="268"/>
+            <ac:cxnSpMk id="70" creationId="{00374C63-599F-D7E2-5CA2-8C9638C96EB1}"/>
+          </ac:cxnSpMkLst>
+        </pc:cxnChg>
+        <pc:cxnChg chg="mod">
+          <ac:chgData name="Abhinav Dahiya" userId="36c413f4-0d58-44c6-a769-5271ebcd0140" providerId="ADAL" clId="{EE946976-129C-4862-A48E-5EC50F5BB6E0}" dt="2023-04-03T16:19:10.350" v="17" actId="1035"/>
+          <ac:cxnSpMkLst>
+            <pc:docMk/>
+            <pc:sldMk cId="4122018456" sldId="268"/>
+            <ac:cxnSpMk id="73" creationId="{2D538E9F-878C-98FA-27FF-3687843AE2EA}"/>
+          </ac:cxnSpMkLst>
+        </pc:cxnChg>
+        <pc:cxnChg chg="mod">
+          <ac:chgData name="Abhinav Dahiya" userId="36c413f4-0d58-44c6-a769-5271ebcd0140" providerId="ADAL" clId="{EE946976-129C-4862-A48E-5EC50F5BB6E0}" dt="2023-04-03T16:19:10.350" v="17" actId="1035"/>
+          <ac:cxnSpMkLst>
+            <pc:docMk/>
+            <pc:sldMk cId="4122018456" sldId="268"/>
+            <ac:cxnSpMk id="74" creationId="{DFBCF8A7-42CE-64BC-BEAD-3C6CABFDB399}"/>
+          </ac:cxnSpMkLst>
+        </pc:cxnChg>
+        <pc:cxnChg chg="mod">
+          <ac:chgData name="Abhinav Dahiya" userId="36c413f4-0d58-44c6-a769-5271ebcd0140" providerId="ADAL" clId="{EE946976-129C-4862-A48E-5EC50F5BB6E0}" dt="2023-04-03T16:18:48.763" v="0" actId="14100"/>
+          <ac:cxnSpMkLst>
+            <pc:docMk/>
+            <pc:sldMk cId="4122018456" sldId="268"/>
+            <ac:cxnSpMk id="89" creationId="{1847B295-13B9-E10F-9EB1-7ECAF57F1787}"/>
+          </ac:cxnSpMkLst>
+        </pc:cxnChg>
+        <pc:cxnChg chg="mod">
+          <ac:chgData name="Abhinav Dahiya" userId="36c413f4-0d58-44c6-a769-5271ebcd0140" providerId="ADAL" clId="{EE946976-129C-4862-A48E-5EC50F5BB6E0}" dt="2023-04-03T16:19:10.350" v="17" actId="1035"/>
+          <ac:cxnSpMkLst>
+            <pc:docMk/>
+            <pc:sldMk cId="4122018456" sldId="268"/>
+            <ac:cxnSpMk id="90" creationId="{5C77AAC8-1E9A-A4A5-3BFA-5FB4B143A11F}"/>
+          </ac:cxnSpMkLst>
+        </pc:cxnChg>
+        <pc:cxnChg chg="mod">
+          <ac:chgData name="Abhinav Dahiya" userId="36c413f4-0d58-44c6-a769-5271ebcd0140" providerId="ADAL" clId="{EE946976-129C-4862-A48E-5EC50F5BB6E0}" dt="2023-04-03T16:19:10.350" v="17" actId="1035"/>
+          <ac:cxnSpMkLst>
+            <pc:docMk/>
+            <pc:sldMk cId="4122018456" sldId="268"/>
+            <ac:cxnSpMk id="111" creationId="{04DEE70C-5FC8-14AE-97C4-5EFC71B07153}"/>
+          </ac:cxnSpMkLst>
+        </pc:cxnChg>
+        <pc:cxnChg chg="mod">
+          <ac:chgData name="Abhinav Dahiya" userId="36c413f4-0d58-44c6-a769-5271ebcd0140" providerId="ADAL" clId="{EE946976-129C-4862-A48E-5EC50F5BB6E0}" dt="2023-04-03T16:19:10.350" v="17" actId="1035"/>
+          <ac:cxnSpMkLst>
+            <pc:docMk/>
+            <pc:sldMk cId="4122018456" sldId="268"/>
+            <ac:cxnSpMk id="114" creationId="{692553B2-5825-0312-48A3-4251ACBF97C7}"/>
+          </ac:cxnSpMkLst>
+        </pc:cxnChg>
+        <pc:cxnChg chg="mod">
+          <ac:chgData name="Abhinav Dahiya" userId="36c413f4-0d58-44c6-a769-5271ebcd0140" providerId="ADAL" clId="{EE946976-129C-4862-A48E-5EC50F5BB6E0}" dt="2023-04-03T16:19:10.350" v="17" actId="1035"/>
+          <ac:cxnSpMkLst>
+            <pc:docMk/>
+            <pc:sldMk cId="4122018456" sldId="268"/>
+            <ac:cxnSpMk id="116" creationId="{2BCDD096-870F-DE3F-B5DA-D27D2D29CA6F}"/>
+          </ac:cxnSpMkLst>
+        </pc:cxnChg>
+        <pc:cxnChg chg="mod">
+          <ac:chgData name="Abhinav Dahiya" userId="36c413f4-0d58-44c6-a769-5271ebcd0140" providerId="ADAL" clId="{EE946976-129C-4862-A48E-5EC50F5BB6E0}" dt="2023-04-03T16:19:10.350" v="17" actId="1035"/>
+          <ac:cxnSpMkLst>
+            <pc:docMk/>
+            <pc:sldMk cId="4122018456" sldId="268"/>
+            <ac:cxnSpMk id="129" creationId="{36E0B2E0-5098-E785-26EC-289913184FC3}"/>
+          </ac:cxnSpMkLst>
+        </pc:cxnChg>
+        <pc:cxnChg chg="mod">
+          <ac:chgData name="Abhinav Dahiya" userId="36c413f4-0d58-44c6-a769-5271ebcd0140" providerId="ADAL" clId="{EE946976-129C-4862-A48E-5EC50F5BB6E0}" dt="2023-04-03T16:19:10.350" v="17" actId="1035"/>
+          <ac:cxnSpMkLst>
+            <pc:docMk/>
+            <pc:sldMk cId="4122018456" sldId="268"/>
+            <ac:cxnSpMk id="134" creationId="{B8815DFD-8905-A80B-18CD-1295173C07FE}"/>
+          </ac:cxnSpMkLst>
+        </pc:cxnChg>
+        <pc:cxnChg chg="mod">
+          <ac:chgData name="Abhinav Dahiya" userId="36c413f4-0d58-44c6-a769-5271ebcd0140" providerId="ADAL" clId="{EE946976-129C-4862-A48E-5EC50F5BB6E0}" dt="2023-04-03T16:19:10.350" v="17" actId="1035"/>
+          <ac:cxnSpMkLst>
+            <pc:docMk/>
+            <pc:sldMk cId="4122018456" sldId="268"/>
+            <ac:cxnSpMk id="138" creationId="{CA9DC007-630B-7CAD-BC9B-94956B7E3FB0}"/>
+          </ac:cxnSpMkLst>
+        </pc:cxnChg>
+        <pc:cxnChg chg="mod">
+          <ac:chgData name="Abhinav Dahiya" userId="36c413f4-0d58-44c6-a769-5271ebcd0140" providerId="ADAL" clId="{EE946976-129C-4862-A48E-5EC50F5BB6E0}" dt="2023-04-03T16:19:10.350" v="17" actId="1035"/>
+          <ac:cxnSpMkLst>
+            <pc:docMk/>
+            <pc:sldMk cId="4122018456" sldId="268"/>
+            <ac:cxnSpMk id="139" creationId="{AE26D17C-C726-80F4-A4F6-958FE7F28B12}"/>
+          </ac:cxnSpMkLst>
+        </pc:cxnChg>
+        <pc:cxnChg chg="mod">
+          <ac:chgData name="Abhinav Dahiya" userId="36c413f4-0d58-44c6-a769-5271ebcd0140" providerId="ADAL" clId="{EE946976-129C-4862-A48E-5EC50F5BB6E0}" dt="2023-04-03T16:19:10.350" v="17" actId="1035"/>
+          <ac:cxnSpMkLst>
+            <pc:docMk/>
+            <pc:sldMk cId="4122018456" sldId="268"/>
+            <ac:cxnSpMk id="151" creationId="{2BF0E3C6-9223-6B5E-7CC8-4F3AAEA3331F}"/>
+          </ac:cxnSpMkLst>
+        </pc:cxnChg>
+      </pc:sldChg>
+    </pc:docChg>
+  </pc:docChgLst>
 </pc:chgInfo>
 </file>
 
@@ -2384,7 +2752,7 @@
           <a:p>
             <a:fld id="{037057A9-93AA-4D48-8853-39427F52804E}" type="datetimeFigureOut">
               <a:rPr lang="en-US" smtClean="0"/>
-              <a:t>3/29/23</a:t>
+              <a:t>4/3/2023</a:t>
             </a:fld>
             <a:endParaRPr lang="en-US"/>
           </a:p>
@@ -3134,7 +3502,7 @@
           <a:p>
             <a:fld id="{09B8065A-5B33-7E4B-B382-D0D657F627F0}" type="datetimeFigureOut">
               <a:rPr lang="en-US" smtClean="0"/>
-              <a:t>3/29/23</a:t>
+              <a:t>4/3/2023</a:t>
             </a:fld>
             <a:endParaRPr lang="en-US"/>
           </a:p>
@@ -3332,7 +3700,7 @@
           <a:p>
             <a:fld id="{09B8065A-5B33-7E4B-B382-D0D657F627F0}" type="datetimeFigureOut">
               <a:rPr lang="en-US" smtClean="0"/>
-              <a:t>3/29/23</a:t>
+              <a:t>4/3/2023</a:t>
             </a:fld>
             <a:endParaRPr lang="en-US"/>
           </a:p>
@@ -3540,7 +3908,7 @@
           <a:p>
             <a:fld id="{09B8065A-5B33-7E4B-B382-D0D657F627F0}" type="datetimeFigureOut">
               <a:rPr lang="en-US" smtClean="0"/>
-              <a:t>3/29/23</a:t>
+              <a:t>4/3/2023</a:t>
             </a:fld>
             <a:endParaRPr lang="en-US"/>
           </a:p>
@@ -3738,7 +4106,7 @@
           <a:p>
             <a:fld id="{09B8065A-5B33-7E4B-B382-D0D657F627F0}" type="datetimeFigureOut">
               <a:rPr lang="en-US" smtClean="0"/>
-              <a:t>3/29/23</a:t>
+              <a:t>4/3/2023</a:t>
             </a:fld>
             <a:endParaRPr lang="en-US"/>
           </a:p>
@@ -4013,7 +4381,7 @@
           <a:p>
             <a:fld id="{09B8065A-5B33-7E4B-B382-D0D657F627F0}" type="datetimeFigureOut">
               <a:rPr lang="en-US" smtClean="0"/>
-              <a:t>3/29/23</a:t>
+              <a:t>4/3/2023</a:t>
             </a:fld>
             <a:endParaRPr lang="en-US"/>
           </a:p>
@@ -4278,7 +4646,7 @@
           <a:p>
             <a:fld id="{09B8065A-5B33-7E4B-B382-D0D657F627F0}" type="datetimeFigureOut">
               <a:rPr lang="en-US" smtClean="0"/>
-              <a:t>3/29/23</a:t>
+              <a:t>4/3/2023</a:t>
             </a:fld>
             <a:endParaRPr lang="en-US"/>
           </a:p>
@@ -4690,7 +5058,7 @@
           <a:p>
             <a:fld id="{09B8065A-5B33-7E4B-B382-D0D657F627F0}" type="datetimeFigureOut">
               <a:rPr lang="en-US" smtClean="0"/>
-              <a:t>3/29/23</a:t>
+              <a:t>4/3/2023</a:t>
             </a:fld>
             <a:endParaRPr lang="en-US"/>
           </a:p>
@@ -4831,7 +5199,7 @@
           <a:p>
             <a:fld id="{09B8065A-5B33-7E4B-B382-D0D657F627F0}" type="datetimeFigureOut">
               <a:rPr lang="en-US" smtClean="0"/>
-              <a:t>3/29/23</a:t>
+              <a:t>4/3/2023</a:t>
             </a:fld>
             <a:endParaRPr lang="en-US"/>
           </a:p>
@@ -4944,7 +5312,7 @@
           <a:p>
             <a:fld id="{09B8065A-5B33-7E4B-B382-D0D657F627F0}" type="datetimeFigureOut">
               <a:rPr lang="en-US" smtClean="0"/>
-              <a:t>3/29/23</a:t>
+              <a:t>4/3/2023</a:t>
             </a:fld>
             <a:endParaRPr lang="en-US"/>
           </a:p>
@@ -5255,7 +5623,7 @@
           <a:p>
             <a:fld id="{09B8065A-5B33-7E4B-B382-D0D657F627F0}" type="datetimeFigureOut">
               <a:rPr lang="en-US" smtClean="0"/>
-              <a:t>3/29/23</a:t>
+              <a:t>4/3/2023</a:t>
             </a:fld>
             <a:endParaRPr lang="en-US"/>
           </a:p>
@@ -5543,7 +5911,7 @@
           <a:p>
             <a:fld id="{09B8065A-5B33-7E4B-B382-D0D657F627F0}" type="datetimeFigureOut">
               <a:rPr lang="en-US" smtClean="0"/>
-              <a:t>3/29/23</a:t>
+              <a:t>4/3/2023</a:t>
             </a:fld>
             <a:endParaRPr lang="en-US"/>
           </a:p>
@@ -5784,7 +6152,7 @@
           <a:p>
             <a:fld id="{09B8065A-5B33-7E4B-B382-D0D657F627F0}" type="datetimeFigureOut">
               <a:rPr lang="en-US" smtClean="0"/>
-              <a:t>3/29/23</a:t>
+              <a:t>4/3/2023</a:t>
             </a:fld>
             <a:endParaRPr lang="en-US"/>
           </a:p>
@@ -16822,8 +17190,8 @@
           </a:fontRef>
         </p:style>
       </p:cxnSp>
-      <mc:AlternateContent xmlns:mc="http://schemas.openxmlformats.org/markup-compatibility/2006">
-        <mc:Choice xmlns:a14="http://schemas.microsoft.com/office/drawing/2010/main" Requires="a14">
+      <mc:AlternateContent xmlns:mc="http://schemas.openxmlformats.org/markup-compatibility/2006" xmlns:a14="http://schemas.microsoft.com/office/drawing/2010/main">
+        <mc:Choice Requires="a14">
           <p:sp>
             <p:nvSpPr>
               <p:cNvPr id="39" name="TextBox 38">
@@ -16892,7 +17260,7 @@
             </p:txBody>
           </p:sp>
         </mc:Choice>
-        <mc:Fallback>
+        <mc:Fallback xmlns="">
           <p:sp>
             <p:nvSpPr>
               <p:cNvPr id="39" name="TextBox 38">
@@ -16937,8 +17305,8 @@
           </p:sp>
         </mc:Fallback>
       </mc:AlternateContent>
-      <mc:AlternateContent xmlns:mc="http://schemas.openxmlformats.org/markup-compatibility/2006">
-        <mc:Choice xmlns:a14="http://schemas.microsoft.com/office/drawing/2010/main" Requires="a14">
+      <mc:AlternateContent xmlns:mc="http://schemas.openxmlformats.org/markup-compatibility/2006" xmlns:a14="http://schemas.microsoft.com/office/drawing/2010/main">
+        <mc:Choice Requires="a14">
           <p:sp>
             <p:nvSpPr>
               <p:cNvPr id="48" name="TextBox 47">
@@ -17013,7 +17381,7 @@
             </p:txBody>
           </p:sp>
         </mc:Choice>
-        <mc:Fallback>
+        <mc:Fallback xmlns="">
           <p:sp>
             <p:nvSpPr>
               <p:cNvPr id="48" name="TextBox 47">
@@ -17058,8 +17426,8 @@
           </p:sp>
         </mc:Fallback>
       </mc:AlternateContent>
-      <mc:AlternateContent xmlns:mc="http://schemas.openxmlformats.org/markup-compatibility/2006">
-        <mc:Choice xmlns:a14="http://schemas.microsoft.com/office/drawing/2010/main" Requires="a14">
+      <mc:AlternateContent xmlns:mc="http://schemas.openxmlformats.org/markup-compatibility/2006" xmlns:a14="http://schemas.microsoft.com/office/drawing/2010/main">
+        <mc:Choice Requires="a14">
           <p:sp>
             <p:nvSpPr>
               <p:cNvPr id="49" name="TextBox 48">
@@ -17134,7 +17502,7 @@
             </p:txBody>
           </p:sp>
         </mc:Choice>
-        <mc:Fallback>
+        <mc:Fallback xmlns="">
           <p:sp>
             <p:nvSpPr>
               <p:cNvPr id="49" name="TextBox 48">
@@ -17273,8 +17641,8 @@
           </a:fontRef>
         </p:style>
       </p:cxnSp>
-      <mc:AlternateContent xmlns:mc="http://schemas.openxmlformats.org/markup-compatibility/2006">
-        <mc:Choice xmlns:a14="http://schemas.microsoft.com/office/drawing/2010/main" Requires="a14">
+      <mc:AlternateContent xmlns:mc="http://schemas.openxmlformats.org/markup-compatibility/2006" xmlns:a14="http://schemas.microsoft.com/office/drawing/2010/main">
+        <mc:Choice Requires="a14">
           <p:sp>
             <p:nvSpPr>
               <p:cNvPr id="64" name="TextBox 63">
@@ -17339,7 +17707,7 @@
             </p:txBody>
           </p:sp>
         </mc:Choice>
-        <mc:Fallback>
+        <mc:Fallback xmlns="">
           <p:sp>
             <p:nvSpPr>
               <p:cNvPr id="64" name="TextBox 63">
@@ -17384,8 +17752,8 @@
           </p:sp>
         </mc:Fallback>
       </mc:AlternateContent>
-      <mc:AlternateContent xmlns:mc="http://schemas.openxmlformats.org/markup-compatibility/2006">
-        <mc:Choice xmlns:a14="http://schemas.microsoft.com/office/drawing/2010/main" Requires="a14">
+      <mc:AlternateContent xmlns:mc="http://schemas.openxmlformats.org/markup-compatibility/2006" xmlns:a14="http://schemas.microsoft.com/office/drawing/2010/main">
+        <mc:Choice Requires="a14">
           <p:sp>
             <p:nvSpPr>
               <p:cNvPr id="65" name="TextBox 64">
@@ -17450,7 +17818,7 @@
             </p:txBody>
           </p:sp>
         </mc:Choice>
-        <mc:Fallback>
+        <mc:Fallback xmlns="">
           <p:sp>
             <p:nvSpPr>
               <p:cNvPr id="65" name="TextBox 64">
@@ -17495,8 +17863,8 @@
           </p:sp>
         </mc:Fallback>
       </mc:AlternateContent>
-      <mc:AlternateContent xmlns:mc="http://schemas.openxmlformats.org/markup-compatibility/2006">
-        <mc:Choice xmlns:a14="http://schemas.microsoft.com/office/drawing/2010/main" Requires="a14">
+      <mc:AlternateContent xmlns:mc="http://schemas.openxmlformats.org/markup-compatibility/2006" xmlns:a14="http://schemas.microsoft.com/office/drawing/2010/main">
+        <mc:Choice Requires="a14">
           <p:sp>
             <p:nvSpPr>
               <p:cNvPr id="77" name="TextBox 76">
@@ -17680,7 +18048,7 @@
             </p:txBody>
           </p:sp>
         </mc:Choice>
-        <mc:Fallback>
+        <mc:Fallback xmlns="">
           <p:sp>
             <p:nvSpPr>
               <p:cNvPr id="77" name="TextBox 76">
@@ -17725,8 +18093,8 @@
           </p:sp>
         </mc:Fallback>
       </mc:AlternateContent>
-      <mc:AlternateContent xmlns:mc="http://schemas.openxmlformats.org/markup-compatibility/2006">
-        <mc:Choice xmlns:a14="http://schemas.microsoft.com/office/drawing/2010/main" Requires="a14">
+      <mc:AlternateContent xmlns:mc="http://schemas.openxmlformats.org/markup-compatibility/2006" xmlns:a14="http://schemas.microsoft.com/office/drawing/2010/main">
+        <mc:Choice Requires="a14">
           <p:sp>
             <p:nvSpPr>
               <p:cNvPr id="78" name="TextBox 77">
@@ -17906,7 +18274,7 @@
             </p:txBody>
           </p:sp>
         </mc:Choice>
-        <mc:Fallback>
+        <mc:Fallback xmlns="">
           <p:sp>
             <p:nvSpPr>
               <p:cNvPr id="78" name="TextBox 77">
@@ -17989,8 +18357,8 @@
           </a:fontRef>
         </p:style>
       </p:cxnSp>
-      <mc:AlternateContent xmlns:mc="http://schemas.openxmlformats.org/markup-compatibility/2006">
-        <mc:Choice xmlns:a14="http://schemas.microsoft.com/office/drawing/2010/main" Requires="a14">
+      <mc:AlternateContent xmlns:mc="http://schemas.openxmlformats.org/markup-compatibility/2006" xmlns:a14="http://schemas.microsoft.com/office/drawing/2010/main">
+        <mc:Choice Requires="a14">
           <p:sp>
             <p:nvSpPr>
               <p:cNvPr id="93" name="TextBox 92">
@@ -18041,7 +18409,7 @@
             </p:txBody>
           </p:sp>
         </mc:Choice>
-        <mc:Fallback>
+        <mc:Fallback xmlns="">
           <p:sp>
             <p:nvSpPr>
               <p:cNvPr id="93" name="TextBox 92">
@@ -18086,8 +18454,8 @@
           </p:sp>
         </mc:Fallback>
       </mc:AlternateContent>
-      <mc:AlternateContent xmlns:mc="http://schemas.openxmlformats.org/markup-compatibility/2006">
-        <mc:Choice xmlns:a14="http://schemas.microsoft.com/office/drawing/2010/main" Requires="a14">
+      <mc:AlternateContent xmlns:mc="http://schemas.openxmlformats.org/markup-compatibility/2006" xmlns:a14="http://schemas.microsoft.com/office/drawing/2010/main">
+        <mc:Choice Requires="a14">
           <p:sp>
             <p:nvSpPr>
               <p:cNvPr id="98" name="TextBox 97">
@@ -18145,7 +18513,7 @@
             </p:txBody>
           </p:sp>
         </mc:Choice>
-        <mc:Fallback>
+        <mc:Fallback xmlns="">
           <p:sp>
             <p:nvSpPr>
               <p:cNvPr id="98" name="TextBox 97">
@@ -18190,8 +18558,8 @@
           </p:sp>
         </mc:Fallback>
       </mc:AlternateContent>
-      <mc:AlternateContent xmlns:mc="http://schemas.openxmlformats.org/markup-compatibility/2006">
-        <mc:Choice xmlns:a14="http://schemas.microsoft.com/office/drawing/2010/main" Requires="a14">
+      <mc:AlternateContent xmlns:mc="http://schemas.openxmlformats.org/markup-compatibility/2006" xmlns:a14="http://schemas.microsoft.com/office/drawing/2010/main">
+        <mc:Choice Requires="a14">
           <p:sp>
             <p:nvSpPr>
               <p:cNvPr id="110" name="TextBox 109">
@@ -18249,7 +18617,7 @@
             </p:txBody>
           </p:sp>
         </mc:Choice>
-        <mc:Fallback>
+        <mc:Fallback xmlns="">
           <p:sp>
             <p:nvSpPr>
               <p:cNvPr id="110" name="TextBox 109">
@@ -18294,8 +18662,8 @@
           </p:sp>
         </mc:Fallback>
       </mc:AlternateContent>
-      <mc:AlternateContent xmlns:mc="http://schemas.openxmlformats.org/markup-compatibility/2006">
-        <mc:Choice xmlns:a14="http://schemas.microsoft.com/office/drawing/2010/main" Requires="a14">
+      <mc:AlternateContent xmlns:mc="http://schemas.openxmlformats.org/markup-compatibility/2006" xmlns:a14="http://schemas.microsoft.com/office/drawing/2010/main">
+        <mc:Choice Requires="a14">
           <p:sp>
             <p:nvSpPr>
               <p:cNvPr id="2" name="TextBox 1">
@@ -18370,7 +18738,7 @@
             </p:txBody>
           </p:sp>
         </mc:Choice>
-        <mc:Fallback>
+        <mc:Fallback xmlns="">
           <p:sp>
             <p:nvSpPr>
               <p:cNvPr id="2" name="TextBox 1">
@@ -18509,8 +18877,8 @@
           </a:fontRef>
         </p:style>
       </p:cxnSp>
-      <mc:AlternateContent xmlns:mc="http://schemas.openxmlformats.org/markup-compatibility/2006">
-        <mc:Choice xmlns:a14="http://schemas.microsoft.com/office/drawing/2010/main" Requires="a14">
+      <mc:AlternateContent xmlns:mc="http://schemas.openxmlformats.org/markup-compatibility/2006" xmlns:a14="http://schemas.microsoft.com/office/drawing/2010/main">
+        <mc:Choice Requires="a14">
           <p:sp>
             <p:nvSpPr>
               <p:cNvPr id="9" name="TextBox 8">
@@ -18589,7 +18957,7 @@
             </p:txBody>
           </p:sp>
         </mc:Choice>
-        <mc:Fallback>
+        <mc:Fallback xmlns="">
           <p:sp>
             <p:nvSpPr>
               <p:cNvPr id="9" name="TextBox 8">
@@ -18681,8 +19049,8 @@
           </a:fontRef>
         </p:style>
       </p:cxnSp>
-      <mc:AlternateContent xmlns:mc="http://schemas.openxmlformats.org/markup-compatibility/2006">
-        <mc:Choice xmlns:a14="http://schemas.microsoft.com/office/drawing/2010/main" Requires="a14">
+      <mc:AlternateContent xmlns:mc="http://schemas.openxmlformats.org/markup-compatibility/2006" xmlns:a14="http://schemas.microsoft.com/office/drawing/2010/main">
+        <mc:Choice Requires="a14">
           <p:sp>
             <p:nvSpPr>
               <p:cNvPr id="12" name="TextBox 11">
@@ -18757,7 +19125,7 @@
             </p:txBody>
           </p:sp>
         </mc:Choice>
-        <mc:Fallback>
+        <mc:Fallback xmlns="">
           <p:sp>
             <p:nvSpPr>
               <p:cNvPr id="12" name="TextBox 11">
@@ -18802,8 +19170,8 @@
           </p:sp>
         </mc:Fallback>
       </mc:AlternateContent>
-      <mc:AlternateContent xmlns:mc="http://schemas.openxmlformats.org/markup-compatibility/2006">
-        <mc:Choice xmlns:a14="http://schemas.microsoft.com/office/drawing/2010/main" Requires="a14">
+      <mc:AlternateContent xmlns:mc="http://schemas.openxmlformats.org/markup-compatibility/2006" xmlns:a14="http://schemas.microsoft.com/office/drawing/2010/main">
+        <mc:Choice Requires="a14">
           <p:sp>
             <p:nvSpPr>
               <p:cNvPr id="25" name="TextBox 24">
@@ -18882,7 +19250,7 @@
             </p:txBody>
           </p:sp>
         </mc:Choice>
-        <mc:Fallback>
+        <mc:Fallback xmlns="">
           <p:sp>
             <p:nvSpPr>
               <p:cNvPr id="25" name="TextBox 24">
@@ -19300,8 +19668,8 @@
           </a:fontRef>
         </p:style>
       </p:cxnSp>
-      <mc:AlternateContent xmlns:mc="http://schemas.openxmlformats.org/markup-compatibility/2006">
-        <mc:Choice xmlns:a14="http://schemas.microsoft.com/office/drawing/2010/main" Requires="a14">
+      <mc:AlternateContent xmlns:mc="http://schemas.openxmlformats.org/markup-compatibility/2006" xmlns:a14="http://schemas.microsoft.com/office/drawing/2010/main">
+        <mc:Choice Requires="a14">
           <p:sp>
             <p:nvSpPr>
               <p:cNvPr id="99" name="TextBox 98">
@@ -19480,7 +19848,7 @@
             </p:txBody>
           </p:sp>
         </mc:Choice>
-        <mc:Fallback>
+        <mc:Fallback xmlns="">
           <p:sp>
             <p:nvSpPr>
               <p:cNvPr id="99" name="TextBox 98">
@@ -19525,8 +19893,8 @@
           </p:sp>
         </mc:Fallback>
       </mc:AlternateContent>
-      <mc:AlternateContent xmlns:mc="http://schemas.openxmlformats.org/markup-compatibility/2006">
-        <mc:Choice xmlns:a14="http://schemas.microsoft.com/office/drawing/2010/main" Requires="a14">
+      <mc:AlternateContent xmlns:mc="http://schemas.openxmlformats.org/markup-compatibility/2006" xmlns:a14="http://schemas.microsoft.com/office/drawing/2010/main">
+        <mc:Choice Requires="a14">
           <p:sp>
             <p:nvSpPr>
               <p:cNvPr id="102" name="TextBox 101">
@@ -19734,7 +20102,7 @@
             </p:txBody>
           </p:sp>
         </mc:Choice>
-        <mc:Fallback>
+        <mc:Fallback xmlns="">
           <p:sp>
             <p:nvSpPr>
               <p:cNvPr id="102" name="TextBox 101">
@@ -19826,8 +20194,8 @@
           </a:fontRef>
         </p:style>
       </p:cxnSp>
-      <mc:AlternateContent xmlns:mc="http://schemas.openxmlformats.org/markup-compatibility/2006">
-        <mc:Choice xmlns:a14="http://schemas.microsoft.com/office/drawing/2010/main" Requires="a14">
+      <mc:AlternateContent xmlns:mc="http://schemas.openxmlformats.org/markup-compatibility/2006" xmlns:a14="http://schemas.microsoft.com/office/drawing/2010/main">
+        <mc:Choice Requires="a14">
           <p:sp>
             <p:nvSpPr>
               <p:cNvPr id="30" name="TextBox 29">
@@ -19951,7 +20319,7 @@
             </p:txBody>
           </p:sp>
         </mc:Choice>
-        <mc:Fallback>
+        <mc:Fallback xmlns="">
           <p:sp>
             <p:nvSpPr>
               <p:cNvPr id="30" name="TextBox 29">
@@ -20043,8 +20411,8 @@
           </a:fontRef>
         </p:style>
       </p:cxnSp>
-      <mc:AlternateContent xmlns:mc="http://schemas.openxmlformats.org/markup-compatibility/2006">
-        <mc:Choice xmlns:a14="http://schemas.microsoft.com/office/drawing/2010/main" Requires="a14">
+      <mc:AlternateContent xmlns:mc="http://schemas.openxmlformats.org/markup-compatibility/2006" xmlns:a14="http://schemas.microsoft.com/office/drawing/2010/main">
+        <mc:Choice Requires="a14">
           <p:sp>
             <p:nvSpPr>
               <p:cNvPr id="34" name="TextBox 33">
@@ -20168,7 +20536,7 @@
             </p:txBody>
           </p:sp>
         </mc:Choice>
-        <mc:Fallback>
+        <mc:Fallback xmlns="">
           <p:sp>
             <p:nvSpPr>
               <p:cNvPr id="34" name="TextBox 33">
@@ -20213,8 +20581,8 @@
           </p:sp>
         </mc:Fallback>
       </mc:AlternateContent>
-      <mc:AlternateContent xmlns:mc="http://schemas.openxmlformats.org/markup-compatibility/2006">
-        <mc:Choice xmlns:a14="http://schemas.microsoft.com/office/drawing/2010/main" Requires="a14">
+      <mc:AlternateContent xmlns:mc="http://schemas.openxmlformats.org/markup-compatibility/2006" xmlns:a14="http://schemas.microsoft.com/office/drawing/2010/main">
+        <mc:Choice Requires="a14">
           <p:sp>
             <p:nvSpPr>
               <p:cNvPr id="47" name="TextBox 46">
@@ -20416,7 +20784,7 @@
             </p:txBody>
           </p:sp>
         </mc:Choice>
-        <mc:Fallback>
+        <mc:Fallback xmlns="">
           <p:sp>
             <p:nvSpPr>
               <p:cNvPr id="47" name="TextBox 46">
@@ -21027,8 +21395,8 @@
           </a:fontRef>
         </p:style>
       </p:cxnSp>
-      <mc:AlternateContent xmlns:mc="http://schemas.openxmlformats.org/markup-compatibility/2006">
-        <mc:Choice xmlns:a14="http://schemas.microsoft.com/office/drawing/2010/main" Requires="a14">
+      <mc:AlternateContent xmlns:mc="http://schemas.openxmlformats.org/markup-compatibility/2006" xmlns:a14="http://schemas.microsoft.com/office/drawing/2010/main">
+        <mc:Choice Requires="a14">
           <p:sp>
             <p:nvSpPr>
               <p:cNvPr id="104" name="TextBox 103">
@@ -21107,7 +21475,7 @@
             </p:txBody>
           </p:sp>
         </mc:Choice>
-        <mc:Fallback>
+        <mc:Fallback xmlns="">
           <p:sp>
             <p:nvSpPr>
               <p:cNvPr id="104" name="TextBox 103">
@@ -21375,8 +21743,8 @@
           </a:fontRef>
         </p:style>
       </p:cxnSp>
-      <mc:AlternateContent xmlns:mc="http://schemas.openxmlformats.org/markup-compatibility/2006">
-        <mc:Choice xmlns:a14="http://schemas.microsoft.com/office/drawing/2010/main" Requires="a14">
+      <mc:AlternateContent xmlns:mc="http://schemas.openxmlformats.org/markup-compatibility/2006" xmlns:a14="http://schemas.microsoft.com/office/drawing/2010/main">
+        <mc:Choice Requires="a14">
           <p:sp>
             <p:nvSpPr>
               <p:cNvPr id="120" name="TextBox 119">
@@ -21441,7 +21809,7 @@
             </p:txBody>
           </p:sp>
         </mc:Choice>
-        <mc:Fallback>
+        <mc:Fallback xmlns="">
           <p:sp>
             <p:nvSpPr>
               <p:cNvPr id="120" name="TextBox 119">
@@ -21486,8 +21854,8 @@
           </p:sp>
         </mc:Fallback>
       </mc:AlternateContent>
-      <mc:AlternateContent xmlns:mc="http://schemas.openxmlformats.org/markup-compatibility/2006">
-        <mc:Choice xmlns:a14="http://schemas.microsoft.com/office/drawing/2010/main" Requires="a14">
+      <mc:AlternateContent xmlns:mc="http://schemas.openxmlformats.org/markup-compatibility/2006" xmlns:a14="http://schemas.microsoft.com/office/drawing/2010/main">
+        <mc:Choice Requires="a14">
           <p:sp>
             <p:nvSpPr>
               <p:cNvPr id="121" name="TextBox 120">
@@ -21546,7 +21914,7 @@
             </p:txBody>
           </p:sp>
         </mc:Choice>
-        <mc:Fallback>
+        <mc:Fallback xmlns="">
           <p:sp>
             <p:nvSpPr>
               <p:cNvPr id="121" name="TextBox 120">
@@ -21591,8 +21959,8 @@
           </p:sp>
         </mc:Fallback>
       </mc:AlternateContent>
-      <mc:AlternateContent xmlns:mc="http://schemas.openxmlformats.org/markup-compatibility/2006">
-        <mc:Choice xmlns:a14="http://schemas.microsoft.com/office/drawing/2010/main" Requires="a14">
+      <mc:AlternateContent xmlns:mc="http://schemas.openxmlformats.org/markup-compatibility/2006" xmlns:a14="http://schemas.microsoft.com/office/drawing/2010/main">
+        <mc:Choice Requires="a14">
           <p:sp>
             <p:nvSpPr>
               <p:cNvPr id="124" name="TextBox 123">
@@ -21651,7 +22019,7 @@
             </p:txBody>
           </p:sp>
         </mc:Choice>
-        <mc:Fallback>
+        <mc:Fallback xmlns="">
           <p:sp>
             <p:nvSpPr>
               <p:cNvPr id="124" name="TextBox 123">
@@ -21696,8 +22064,8 @@
           </p:sp>
         </mc:Fallback>
       </mc:AlternateContent>
-      <mc:AlternateContent xmlns:mc="http://schemas.openxmlformats.org/markup-compatibility/2006">
-        <mc:Choice xmlns:a14="http://schemas.microsoft.com/office/drawing/2010/main" Requires="a14">
+      <mc:AlternateContent xmlns:mc="http://schemas.openxmlformats.org/markup-compatibility/2006" xmlns:a14="http://schemas.microsoft.com/office/drawing/2010/main">
+        <mc:Choice Requires="a14">
           <p:sp>
             <p:nvSpPr>
               <p:cNvPr id="125" name="TextBox 124">
@@ -21768,7 +22136,7 @@
             </p:txBody>
           </p:sp>
         </mc:Choice>
-        <mc:Fallback>
+        <mc:Fallback xmlns="">
           <p:sp>
             <p:nvSpPr>
               <p:cNvPr id="125" name="TextBox 124">
@@ -21813,8 +22181,8 @@
           </p:sp>
         </mc:Fallback>
       </mc:AlternateContent>
-      <mc:AlternateContent xmlns:mc="http://schemas.openxmlformats.org/markup-compatibility/2006">
-        <mc:Choice xmlns:a14="http://schemas.microsoft.com/office/drawing/2010/main" Requires="a14">
+      <mc:AlternateContent xmlns:mc="http://schemas.openxmlformats.org/markup-compatibility/2006" xmlns:a14="http://schemas.microsoft.com/office/drawing/2010/main">
+        <mc:Choice Requires="a14">
           <p:sp>
             <p:nvSpPr>
               <p:cNvPr id="126" name="TextBox 125">
@@ -21882,7 +22250,7 @@
             </p:txBody>
           </p:sp>
         </mc:Choice>
-        <mc:Fallback>
+        <mc:Fallback xmlns="">
           <p:sp>
             <p:nvSpPr>
               <p:cNvPr id="126" name="TextBox 125">
@@ -21927,8 +22295,8 @@
           </p:sp>
         </mc:Fallback>
       </mc:AlternateContent>
-      <mc:AlternateContent xmlns:mc="http://schemas.openxmlformats.org/markup-compatibility/2006">
-        <mc:Choice xmlns:a14="http://schemas.microsoft.com/office/drawing/2010/main" Requires="a14">
+      <mc:AlternateContent xmlns:mc="http://schemas.openxmlformats.org/markup-compatibility/2006" xmlns:a14="http://schemas.microsoft.com/office/drawing/2010/main">
+        <mc:Choice Requires="a14">
           <p:sp>
             <p:nvSpPr>
               <p:cNvPr id="128" name="TextBox 127">
@@ -22011,7 +22379,7 @@
             </p:txBody>
           </p:sp>
         </mc:Choice>
-        <mc:Fallback>
+        <mc:Fallback xmlns="">
           <p:sp>
             <p:nvSpPr>
               <p:cNvPr id="128" name="TextBox 127">
@@ -22103,8 +22471,8 @@
           </a:fontRef>
         </p:style>
       </p:cxnSp>
-      <mc:AlternateContent xmlns:mc="http://schemas.openxmlformats.org/markup-compatibility/2006">
-        <mc:Choice xmlns:a14="http://schemas.microsoft.com/office/drawing/2010/main" Requires="a14">
+      <mc:AlternateContent xmlns:mc="http://schemas.openxmlformats.org/markup-compatibility/2006" xmlns:a14="http://schemas.microsoft.com/office/drawing/2010/main">
+        <mc:Choice Requires="a14">
           <p:sp>
             <p:nvSpPr>
               <p:cNvPr id="131" name="TextBox 130">
@@ -22166,7 +22534,7 @@
             </p:txBody>
           </p:sp>
         </mc:Choice>
-        <mc:Fallback>
+        <mc:Fallback xmlns="">
           <p:sp>
             <p:nvSpPr>
               <p:cNvPr id="131" name="TextBox 130">
@@ -22352,8 +22720,8 @@
           </a:fontRef>
         </p:style>
       </p:cxnSp>
-      <mc:AlternateContent xmlns:mc="http://schemas.openxmlformats.org/markup-compatibility/2006">
-        <mc:Choice xmlns:a14="http://schemas.microsoft.com/office/drawing/2010/main" Requires="a14">
+      <mc:AlternateContent xmlns:mc="http://schemas.openxmlformats.org/markup-compatibility/2006" xmlns:a14="http://schemas.microsoft.com/office/drawing/2010/main">
+        <mc:Choice Requires="a14">
           <p:sp>
             <p:nvSpPr>
               <p:cNvPr id="150" name="TextBox 149">
@@ -22422,7 +22790,7 @@
             </p:txBody>
           </p:sp>
         </mc:Choice>
-        <mc:Fallback>
+        <mc:Fallback xmlns="">
           <p:sp>
             <p:nvSpPr>
               <p:cNvPr id="150" name="TextBox 149">
@@ -23193,8 +23561,8 @@
           </a:fontRef>
         </p:style>
       </p:cxnSp>
-      <mc:AlternateContent xmlns:mc="http://schemas.openxmlformats.org/markup-compatibility/2006">
-        <mc:Choice xmlns:a14="http://schemas.microsoft.com/office/drawing/2010/main" Requires="a14">
+      <mc:AlternateContent xmlns:mc="http://schemas.openxmlformats.org/markup-compatibility/2006" xmlns:a14="http://schemas.microsoft.com/office/drawing/2010/main">
+        <mc:Choice Requires="a14">
           <p:sp>
             <p:nvSpPr>
               <p:cNvPr id="16" name="TextBox 15">
@@ -23263,7 +23631,7 @@
             </p:txBody>
           </p:sp>
         </mc:Choice>
-        <mc:Fallback>
+        <mc:Fallback xmlns="">
           <p:sp>
             <p:nvSpPr>
               <p:cNvPr id="16" name="TextBox 15">
@@ -23355,8 +23723,8 @@
           </a:fontRef>
         </p:style>
       </p:cxnSp>
-      <mc:AlternateContent xmlns:mc="http://schemas.openxmlformats.org/markup-compatibility/2006">
-        <mc:Choice xmlns:a14="http://schemas.microsoft.com/office/drawing/2010/main" Requires="a14">
+      <mc:AlternateContent xmlns:mc="http://schemas.openxmlformats.org/markup-compatibility/2006" xmlns:a14="http://schemas.microsoft.com/office/drawing/2010/main">
+        <mc:Choice Requires="a14">
           <p:sp>
             <p:nvSpPr>
               <p:cNvPr id="29" name="TextBox 28">
@@ -23431,7 +23799,7 @@
             </p:txBody>
           </p:sp>
         </mc:Choice>
-        <mc:Fallback>
+        <mc:Fallback xmlns="">
           <p:sp>
             <p:nvSpPr>
               <p:cNvPr id="29" name="TextBox 28">
@@ -23539,7 +23907,7 @@
         </p:nvCxnSpPr>
         <p:spPr>
           <a:xfrm>
-            <a:off x="3200404" y="3600464"/>
+            <a:off x="3200404" y="3431784"/>
             <a:ext cx="0" cy="1763381"/>
           </a:xfrm>
           <a:prstGeom prst="line">
@@ -23586,7 +23954,7 @@
             </p:nvSpPr>
             <p:spPr>
               <a:xfrm>
-                <a:off x="3101657" y="5374311"/>
+                <a:off x="3101657" y="5205631"/>
                 <a:ext cx="195373" cy="184666"/>
               </a:xfrm>
               <a:prstGeom prst="rect">
@@ -23657,7 +24025,7 @@
             </p:nvSpPr>
             <p:spPr>
               <a:xfrm>
-                <a:off x="3101657" y="5374311"/>
+                <a:off x="3101657" y="5205631"/>
                 <a:ext cx="195373" cy="184666"/>
               </a:xfrm>
               <a:prstGeom prst="rect">
@@ -23666,7 +24034,7 @@
               <a:blipFill>
                 <a:blip r:embed="rId4"/>
                 <a:stretch>
-                  <a:fillRect l="-12500" r="-6250" b="-13333"/>
+                  <a:fillRect l="-12500" r="-3125" b="-10000"/>
                 </a:stretch>
               </a:blipFill>
             </p:spPr>
@@ -23675,7 +24043,7 @@
               <a:lstStyle/>
               <a:p>
                 <a:r>
-                  <a:rPr lang="en-US">
+                  <a:rPr lang="en-CA">
                     <a:noFill/>
                   </a:rPr>
                   <a:t> </a:t>
@@ -23701,7 +24069,7 @@
             </p:nvSpPr>
             <p:spPr>
               <a:xfrm>
-                <a:off x="4363826" y="5374976"/>
+                <a:off x="4363826" y="5206296"/>
                 <a:ext cx="254300" cy="184666"/>
               </a:xfrm>
               <a:prstGeom prst="rect">
@@ -23778,7 +24146,7 @@
             </p:nvSpPr>
             <p:spPr>
               <a:xfrm>
-                <a:off x="4363826" y="5374976"/>
+                <a:off x="4363826" y="5206296"/>
                 <a:ext cx="254300" cy="184666"/>
               </a:xfrm>
               <a:prstGeom prst="rect">
@@ -23787,7 +24155,7 @@
               <a:blipFill>
                 <a:blip r:embed="rId5"/>
                 <a:stretch>
-                  <a:fillRect l="-4762" b="-13333"/>
+                  <a:fillRect l="-7143" b="-16667"/>
                 </a:stretch>
               </a:blipFill>
             </p:spPr>
@@ -23796,7 +24164,7 @@
               <a:lstStyle/>
               <a:p>
                 <a:r>
-                  <a:rPr lang="en-US">
+                  <a:rPr lang="en-CA">
                     <a:noFill/>
                   </a:rPr>
                   <a:t> </a:t>
@@ -23822,7 +24190,7 @@
             </p:nvSpPr>
             <p:spPr>
               <a:xfrm>
-                <a:off x="5743940" y="5388132"/>
+                <a:off x="5743940" y="5219452"/>
                 <a:ext cx="254300" cy="184666"/>
               </a:xfrm>
               <a:prstGeom prst="rect">
@@ -23899,7 +24267,7 @@
             </p:nvSpPr>
             <p:spPr>
               <a:xfrm>
-                <a:off x="5743940" y="5388132"/>
+                <a:off x="5743940" y="5219452"/>
                 <a:ext cx="254300" cy="184666"/>
               </a:xfrm>
               <a:prstGeom prst="rect">
@@ -23908,7 +24276,7 @@
               <a:blipFill>
                 <a:blip r:embed="rId6"/>
                 <a:stretch>
-                  <a:fillRect l="-9524" b="-20000"/>
+                  <a:fillRect l="-7143" r="-2381" b="-12903"/>
                 </a:stretch>
               </a:blipFill>
             </p:spPr>
@@ -23917,7 +24285,7 @@
               <a:lstStyle/>
               <a:p>
                 <a:r>
-                  <a:rPr lang="en-US">
+                  <a:rPr lang="en-CA">
                     <a:noFill/>
                   </a:rPr>
                   <a:t> </a:t>
@@ -23943,7 +24311,7 @@
         </p:nvCxnSpPr>
         <p:spPr>
           <a:xfrm>
-            <a:off x="3699644" y="3640969"/>
+            <a:off x="3699644" y="3472289"/>
             <a:ext cx="0" cy="1745226"/>
           </a:xfrm>
           <a:prstGeom prst="line">
@@ -23990,7 +24358,7 @@
         </p:nvCxnSpPr>
         <p:spPr>
           <a:xfrm>
-            <a:off x="4393328" y="3632145"/>
+            <a:off x="4393328" y="3463465"/>
             <a:ext cx="0" cy="1742831"/>
           </a:xfrm>
           <a:prstGeom prst="line">
@@ -24021,8 +24389,8 @@
           </a:fontRef>
         </p:style>
       </p:cxnSp>
-      <mc:AlternateContent xmlns:mc="http://schemas.openxmlformats.org/markup-compatibility/2006">
-        <mc:Choice xmlns:a14="http://schemas.microsoft.com/office/drawing/2010/main" Requires="a14">
+      <mc:AlternateContent xmlns:mc="http://schemas.openxmlformats.org/markup-compatibility/2006" xmlns:a14="http://schemas.microsoft.com/office/drawing/2010/main">
+        <mc:Choice Requires="a14">
           <p:sp>
             <p:nvSpPr>
               <p:cNvPr id="64" name="TextBox 63">
@@ -24087,7 +24455,7 @@
             </p:txBody>
           </p:sp>
         </mc:Choice>
-        <mc:Fallback>
+        <mc:Fallback xmlns="">
           <p:sp>
             <p:nvSpPr>
               <p:cNvPr id="64" name="TextBox 63">
@@ -24148,7 +24516,7 @@
             </p:nvSpPr>
             <p:spPr>
               <a:xfrm>
-                <a:off x="4909618" y="6257242"/>
+                <a:off x="4825826" y="6070884"/>
                 <a:ext cx="424678" cy="276999"/>
               </a:xfrm>
               <a:prstGeom prst="rect">
@@ -24215,7 +24583,7 @@
             </p:nvSpPr>
             <p:spPr>
               <a:xfrm>
-                <a:off x="4909618" y="6257242"/>
+                <a:off x="4825826" y="6070884"/>
                 <a:ext cx="424678" cy="276999"/>
               </a:xfrm>
               <a:prstGeom prst="rect">
@@ -24224,7 +24592,7 @@
               <a:blipFill>
                 <a:blip r:embed="rId8"/>
                 <a:stretch>
-                  <a:fillRect l="-11429" r="-11429" b="-34783"/>
+                  <a:fillRect l="-13043" t="-2222" r="-14493" b="-35556"/>
                 </a:stretch>
               </a:blipFill>
             </p:spPr>
@@ -24233,7 +24601,7 @@
               <a:lstStyle/>
               <a:p>
                 <a:r>
-                  <a:rPr lang="en-US">
+                  <a:rPr lang="en-CA">
                     <a:noFill/>
                   </a:rPr>
                   <a:t> </a:t>
@@ -24243,8 +24611,8 @@
           </p:sp>
         </mc:Fallback>
       </mc:AlternateContent>
-      <mc:AlternateContent xmlns:mc="http://schemas.openxmlformats.org/markup-compatibility/2006">
-        <mc:Choice xmlns:a14="http://schemas.microsoft.com/office/drawing/2010/main" Requires="a14">
+      <mc:AlternateContent xmlns:mc="http://schemas.openxmlformats.org/markup-compatibility/2006" xmlns:a14="http://schemas.microsoft.com/office/drawing/2010/main">
+        <mc:Choice Requires="a14">
           <p:sp>
             <p:nvSpPr>
               <p:cNvPr id="77" name="TextBox 76">
@@ -24428,7 +24796,7 @@
             </p:txBody>
           </p:sp>
         </mc:Choice>
-        <mc:Fallback>
+        <mc:Fallback xmlns="">
           <p:sp>
             <p:nvSpPr>
               <p:cNvPr id="77" name="TextBox 76">
@@ -24489,7 +24857,7 @@
             </p:nvSpPr>
             <p:spPr>
               <a:xfrm>
-                <a:off x="3174293" y="5836740"/>
+                <a:off x="3174293" y="5668060"/>
                 <a:ext cx="1637563" cy="215444"/>
               </a:xfrm>
               <a:prstGeom prst="rect">
@@ -24671,7 +25039,7 @@
             </p:nvSpPr>
             <p:spPr>
               <a:xfrm>
-                <a:off x="3174293" y="5836740"/>
+                <a:off x="3174293" y="5668060"/>
                 <a:ext cx="1637563" cy="215444"/>
               </a:xfrm>
               <a:prstGeom prst="rect">
@@ -24680,7 +25048,7 @@
               <a:blipFill>
                 <a:blip r:embed="rId10"/>
                 <a:stretch>
-                  <a:fillRect l="-1550" t="-11111" r="-3876" b="-33333"/>
+                  <a:fillRect l="-1493" r="-3358" b="-31429"/>
                 </a:stretch>
               </a:blipFill>
             </p:spPr>
@@ -24689,7 +25057,7 @@
               <a:lstStyle/>
               <a:p>
                 <a:r>
-                  <a:rPr lang="en-US">
+                  <a:rPr lang="en-CA">
                     <a:noFill/>
                   </a:rPr>
                   <a:t> </a:t>
@@ -24716,7 +25084,7 @@
         <p:spPr>
           <a:xfrm>
             <a:off x="2321243" y="2996264"/>
-            <a:ext cx="4993957" cy="0"/>
+            <a:ext cx="4597232" cy="0"/>
           </a:xfrm>
           <a:prstGeom prst="line">
             <a:avLst/>
@@ -24753,7 +25121,7 @@
             </p:nvSpPr>
             <p:spPr>
               <a:xfrm>
-                <a:off x="3010290" y="4433419"/>
+                <a:off x="3010290" y="4264739"/>
                 <a:ext cx="124329" cy="184666"/>
               </a:xfrm>
               <a:prstGeom prst="rect">
@@ -24806,7 +25174,7 @@
             </p:nvSpPr>
             <p:spPr>
               <a:xfrm>
-                <a:off x="3010290" y="4433419"/>
+                <a:off x="3010290" y="4264739"/>
                 <a:ext cx="124329" cy="184666"/>
               </a:xfrm>
               <a:prstGeom prst="rect">
@@ -24815,7 +25183,7 @@
               <a:blipFill>
                 <a:blip r:embed="rId11"/>
                 <a:stretch>
-                  <a:fillRect l="-30000" r="-30000" b="-18750"/>
+                  <a:fillRect l="-30000" r="-30000" b="-23333"/>
                 </a:stretch>
               </a:blipFill>
             </p:spPr>
@@ -24824,7 +25192,7 @@
               <a:lstStyle/>
               <a:p>
                 <a:r>
-                  <a:rPr lang="en-US">
+                  <a:rPr lang="en-CA">
                     <a:noFill/>
                   </a:rPr>
                   <a:t> </a:t>
@@ -24834,8 +25202,8 @@
           </p:sp>
         </mc:Fallback>
       </mc:AlternateContent>
-      <mc:AlternateContent xmlns:mc="http://schemas.openxmlformats.org/markup-compatibility/2006">
-        <mc:Choice xmlns:a14="http://schemas.microsoft.com/office/drawing/2010/main" Requires="a14">
+      <mc:AlternateContent xmlns:mc="http://schemas.openxmlformats.org/markup-compatibility/2006" xmlns:a14="http://schemas.microsoft.com/office/drawing/2010/main">
+        <mc:Choice Requires="a14">
           <p:sp>
             <p:nvSpPr>
               <p:cNvPr id="98" name="TextBox 97">
@@ -24893,7 +25261,7 @@
             </p:txBody>
           </p:sp>
         </mc:Choice>
-        <mc:Fallback>
+        <mc:Fallback xmlns="">
           <p:sp>
             <p:nvSpPr>
               <p:cNvPr id="98" name="TextBox 97">
@@ -24954,7 +25322,7 @@
             </p:nvSpPr>
             <p:spPr>
               <a:xfrm>
-                <a:off x="6653050" y="5419986"/>
+                <a:off x="6653050" y="5251306"/>
                 <a:ext cx="530851" cy="276999"/>
               </a:xfrm>
               <a:prstGeom prst="rect">
@@ -25014,7 +25382,7 @@
             </p:nvSpPr>
             <p:spPr>
               <a:xfrm>
-                <a:off x="6653050" y="5419986"/>
+                <a:off x="6653050" y="5251306"/>
                 <a:ext cx="530851" cy="276999"/>
               </a:xfrm>
               <a:prstGeom prst="rect">
@@ -25023,7 +25391,7 @@
               <a:blipFill>
                 <a:blip r:embed="rId13"/>
                 <a:stretch>
-                  <a:fillRect l="-6977" r="-9302" b="-8696"/>
+                  <a:fillRect l="-8046" r="-10345" b="-6522"/>
                 </a:stretch>
               </a:blipFill>
             </p:spPr>
@@ -25032,7 +25400,7 @@
               <a:lstStyle/>
               <a:p>
                 <a:r>
-                  <a:rPr lang="en-US">
+                  <a:rPr lang="en-CA">
                     <a:noFill/>
                   </a:rPr>
                   <a:t> </a:t>
@@ -25058,7 +25426,7 @@
             </p:nvSpPr>
             <p:spPr>
               <a:xfrm>
-                <a:off x="3518125" y="5377745"/>
+                <a:off x="3518125" y="5209065"/>
                 <a:ext cx="254300" cy="184666"/>
               </a:xfrm>
               <a:prstGeom prst="rect">
@@ -25135,7 +25503,7 @@
             </p:nvSpPr>
             <p:spPr>
               <a:xfrm>
-                <a:off x="3518125" y="5377745"/>
+                <a:off x="3518125" y="5209065"/>
                 <a:ext cx="254300" cy="184666"/>
               </a:xfrm>
               <a:prstGeom prst="rect">
@@ -25144,7 +25512,7 @@
               <a:blipFill>
                 <a:blip r:embed="rId14"/>
                 <a:stretch>
-                  <a:fillRect l="-4545" r="-4545" b="-20000"/>
+                  <a:fillRect l="-9524" r="-2381" b="-13333"/>
                 </a:stretch>
               </a:blipFill>
             </p:spPr>
@@ -25153,7 +25521,7 @@
               <a:lstStyle/>
               <a:p>
                 <a:r>
-                  <a:rPr lang="en-US">
+                  <a:rPr lang="en-CA">
                     <a:noFill/>
                   </a:rPr>
                   <a:t> </a:t>
@@ -25179,7 +25547,7 @@
         </p:nvCxnSpPr>
         <p:spPr>
           <a:xfrm>
-            <a:off x="5160564" y="4173226"/>
+            <a:off x="5160564" y="4004546"/>
             <a:ext cx="0" cy="1204955"/>
           </a:xfrm>
           <a:prstGeom prst="line">
@@ -25226,7 +25594,7 @@
         </p:nvCxnSpPr>
         <p:spPr>
           <a:xfrm flipH="1">
-            <a:off x="5524755" y="4152882"/>
+            <a:off x="5524755" y="3984202"/>
             <a:ext cx="9211" cy="1224863"/>
           </a:xfrm>
           <a:prstGeom prst="line">
@@ -25273,7 +25641,7 @@
             </p:nvSpPr>
             <p:spPr>
               <a:xfrm>
-                <a:off x="5901549" y="3456303"/>
+                <a:off x="5901549" y="3287623"/>
                 <a:ext cx="257442" cy="184666"/>
               </a:xfrm>
               <a:prstGeom prst="rect">
@@ -25354,7 +25722,7 @@
             </p:nvSpPr>
             <p:spPr>
               <a:xfrm>
-                <a:off x="5901549" y="3456303"/>
+                <a:off x="5901549" y="3287623"/>
                 <a:ext cx="257442" cy="184666"/>
               </a:xfrm>
               <a:prstGeom prst="rect">
@@ -25363,7 +25731,7 @@
               <a:blipFill>
                 <a:blip r:embed="rId15"/>
                 <a:stretch>
-                  <a:fillRect l="-14286" r="-9524" b="-13333"/>
+                  <a:fillRect l="-14286" r="-4762" b="-9677"/>
                 </a:stretch>
               </a:blipFill>
             </p:spPr>
@@ -25372,7 +25740,7 @@
               <a:lstStyle/>
               <a:p>
                 <a:r>
-                  <a:rPr lang="en-US">
+                  <a:rPr lang="en-CA">
                     <a:noFill/>
                   </a:rPr>
                   <a:t> </a:t>
@@ -25398,7 +25766,7 @@
         </p:nvCxnSpPr>
         <p:spPr>
           <a:xfrm>
-            <a:off x="5853564" y="3689367"/>
+            <a:off x="5853564" y="3520687"/>
             <a:ext cx="369426" cy="0"/>
           </a:xfrm>
           <a:prstGeom prst="straightConnector1">
@@ -25445,7 +25813,7 @@
             </p:nvSpPr>
             <p:spPr>
               <a:xfrm>
-                <a:off x="5020409" y="5373820"/>
+                <a:off x="5020409" y="5205140"/>
                 <a:ext cx="254300" cy="184666"/>
               </a:xfrm>
               <a:prstGeom prst="rect">
@@ -25522,7 +25890,7 @@
             </p:nvSpPr>
             <p:spPr>
               <a:xfrm>
-                <a:off x="5020409" y="5373820"/>
+                <a:off x="5020409" y="5205140"/>
                 <a:ext cx="254300" cy="184666"/>
               </a:xfrm>
               <a:prstGeom prst="rect">
@@ -25531,7 +25899,7 @@
               <a:blipFill>
                 <a:blip r:embed="rId16"/>
                 <a:stretch>
-                  <a:fillRect l="-9524" r="-4762" b="-13333"/>
+                  <a:fillRect l="-9756" r="-4878" b="-13333"/>
                 </a:stretch>
               </a:blipFill>
             </p:spPr>
@@ -25540,7 +25908,7 @@
               <a:lstStyle/>
               <a:p>
                 <a:r>
-                  <a:rPr lang="en-US">
+                  <a:rPr lang="en-CA">
                     <a:noFill/>
                   </a:rPr>
                   <a:t> </a:t>
@@ -25566,7 +25934,7 @@
             </p:nvSpPr>
             <p:spPr>
               <a:xfrm>
-                <a:off x="4569039" y="3467113"/>
+                <a:off x="4569039" y="3298433"/>
                 <a:ext cx="257442" cy="184666"/>
               </a:xfrm>
               <a:prstGeom prst="rect">
@@ -25647,7 +26015,7 @@
             </p:nvSpPr>
             <p:spPr>
               <a:xfrm>
-                <a:off x="4569039" y="3467113"/>
+                <a:off x="4569039" y="3298433"/>
                 <a:ext cx="257442" cy="184666"/>
               </a:xfrm>
               <a:prstGeom prst="rect">
@@ -25665,7 +26033,7 @@
               <a:lstStyle/>
               <a:p>
                 <a:r>
-                  <a:rPr lang="en-US">
+                  <a:rPr lang="en-CA">
                     <a:noFill/>
                   </a:rPr>
                   <a:t> </a:t>
@@ -25691,7 +26059,7 @@
         </p:nvCxnSpPr>
         <p:spPr>
           <a:xfrm>
-            <a:off x="4393328" y="3690414"/>
+            <a:off x="4393328" y="3521734"/>
             <a:ext cx="591823" cy="0"/>
           </a:xfrm>
           <a:prstGeom prst="straightConnector1">
@@ -25769,8 +26137,8 @@
           </a:fontRef>
         </p:style>
       </p:cxnSp>
-      <mc:AlternateContent xmlns:mc="http://schemas.openxmlformats.org/markup-compatibility/2006">
-        <mc:Choice xmlns:a14="http://schemas.microsoft.com/office/drawing/2010/main" Requires="a14">
+      <mc:AlternateContent xmlns:mc="http://schemas.openxmlformats.org/markup-compatibility/2006" xmlns:a14="http://schemas.microsoft.com/office/drawing/2010/main">
+        <mc:Choice Requires="a14">
           <p:sp>
             <p:nvSpPr>
               <p:cNvPr id="62" name="TextBox 61">
@@ -25845,7 +26213,7 @@
             </p:txBody>
           </p:sp>
         </mc:Choice>
-        <mc:Fallback>
+        <mc:Fallback xmlns="">
           <p:sp>
             <p:nvSpPr>
               <p:cNvPr id="62" name="TextBox 61">
@@ -25945,7 +26313,7 @@
         </p:nvCxnSpPr>
         <p:spPr>
           <a:xfrm>
-            <a:off x="3011010" y="5377745"/>
+            <a:off x="3011010" y="5209065"/>
             <a:ext cx="3907465" cy="0"/>
           </a:xfrm>
           <a:prstGeom prst="straightConnector1">
@@ -25986,7 +26354,7 @@
         </p:nvCxnSpPr>
         <p:spPr>
           <a:xfrm flipV="1">
-            <a:off x="4394262" y="3827065"/>
+            <a:off x="4394262" y="3658385"/>
             <a:ext cx="595350" cy="3009"/>
           </a:xfrm>
           <a:prstGeom prst="line">
@@ -26025,7 +26393,7 @@
         </p:nvCxnSpPr>
         <p:spPr>
           <a:xfrm>
-            <a:off x="5855226" y="3841069"/>
+            <a:off x="5855226" y="3672389"/>
             <a:ext cx="369434" cy="0"/>
           </a:xfrm>
           <a:prstGeom prst="line">
@@ -26064,7 +26432,7 @@
             </p:nvSpPr>
             <p:spPr>
               <a:xfrm>
-                <a:off x="5079735" y="5837918"/>
+                <a:off x="5079735" y="5669238"/>
                 <a:ext cx="1637563" cy="215444"/>
               </a:xfrm>
               <a:prstGeom prst="rect">
@@ -26245,7 +26613,7 @@
             </p:nvSpPr>
             <p:spPr>
               <a:xfrm>
-                <a:off x="5079735" y="5837918"/>
+                <a:off x="5079735" y="5669238"/>
                 <a:ext cx="1637563" cy="215444"/>
               </a:xfrm>
               <a:prstGeom prst="rect">
@@ -26254,7 +26622,7 @@
               <a:blipFill>
                 <a:blip r:embed="rId19"/>
                 <a:stretch>
-                  <a:fillRect l="-769" t="-11111" r="-3846" b="-33333"/>
+                  <a:fillRect l="-1115" r="-3346" b="-31429"/>
                 </a:stretch>
               </a:blipFill>
             </p:spPr>
@@ -26263,7 +26631,7 @@
               <a:lstStyle/>
               <a:p>
                 <a:r>
-                  <a:rPr lang="en-US">
+                  <a:rPr lang="en-CA">
                     <a:noFill/>
                   </a:rPr>
                   <a:t> </a:t>
@@ -26273,8 +26641,8 @@
           </p:sp>
         </mc:Fallback>
       </mc:AlternateContent>
-      <mc:AlternateContent xmlns:mc="http://schemas.openxmlformats.org/markup-compatibility/2006">
-        <mc:Choice xmlns:a14="http://schemas.microsoft.com/office/drawing/2010/main" Requires="a14">
+      <mc:AlternateContent xmlns:mc="http://schemas.openxmlformats.org/markup-compatibility/2006" xmlns:a14="http://schemas.microsoft.com/office/drawing/2010/main">
+        <mc:Choice Requires="a14">
           <p:sp>
             <p:nvSpPr>
               <p:cNvPr id="102" name="TextBox 101">
@@ -26482,7 +26850,7 @@
             </p:txBody>
           </p:sp>
         </mc:Choice>
-        <mc:Fallback>
+        <mc:Fallback xmlns="">
           <p:sp>
             <p:nvSpPr>
               <p:cNvPr id="102" name="TextBox 101">
@@ -26574,8 +26942,8 @@
           </a:fontRef>
         </p:style>
       </p:cxnSp>
-      <mc:AlternateContent xmlns:mc="http://schemas.openxmlformats.org/markup-compatibility/2006">
-        <mc:Choice xmlns:a14="http://schemas.microsoft.com/office/drawing/2010/main" Requires="a14">
+      <mc:AlternateContent xmlns:mc="http://schemas.openxmlformats.org/markup-compatibility/2006" xmlns:a14="http://schemas.microsoft.com/office/drawing/2010/main">
+        <mc:Choice Requires="a14">
           <p:sp>
             <p:nvSpPr>
               <p:cNvPr id="30" name="TextBox 29">
@@ -26699,7 +27067,7 @@
             </p:txBody>
           </p:sp>
         </mc:Choice>
-        <mc:Fallback>
+        <mc:Fallback xmlns="">
           <p:sp>
             <p:nvSpPr>
               <p:cNvPr id="30" name="TextBox 29">
@@ -26760,7 +27128,7 @@
         </p:nvCxnSpPr>
         <p:spPr>
           <a:xfrm>
-            <a:off x="3696208" y="3689701"/>
+            <a:off x="3696208" y="3521021"/>
             <a:ext cx="697120" cy="0"/>
           </a:xfrm>
           <a:prstGeom prst="straightConnector1">
@@ -26807,7 +27175,7 @@
             </p:nvSpPr>
             <p:spPr>
               <a:xfrm>
-                <a:off x="3454218" y="3383740"/>
+                <a:off x="3454218" y="3215060"/>
                 <a:ext cx="933694" cy="212494"/>
               </a:xfrm>
               <a:prstGeom prst="rect">
@@ -26933,7 +27301,7 @@
             </p:nvSpPr>
             <p:spPr>
               <a:xfrm>
-                <a:off x="3454218" y="3383740"/>
+                <a:off x="3454218" y="3215060"/>
                 <a:ext cx="933694" cy="212494"/>
               </a:xfrm>
               <a:prstGeom prst="rect">
@@ -26942,7 +27310,7 @@
               <a:blipFill>
                 <a:blip r:embed="rId22"/>
                 <a:stretch>
-                  <a:fillRect l="-6757" b="-22222"/>
+                  <a:fillRect l="-5882" b="-22857"/>
                 </a:stretch>
               </a:blipFill>
             </p:spPr>
@@ -26951,7 +27319,7 @@
               <a:lstStyle/>
               <a:p>
                 <a:r>
-                  <a:rPr lang="en-US">
+                  <a:rPr lang="en-CA">
                     <a:noFill/>
                   </a:rPr>
                   <a:t> </a:t>
@@ -26961,8 +27329,8 @@
           </p:sp>
         </mc:Fallback>
       </mc:AlternateContent>
-      <mc:AlternateContent xmlns:mc="http://schemas.openxmlformats.org/markup-compatibility/2006">
-        <mc:Choice xmlns:a14="http://schemas.microsoft.com/office/drawing/2010/main" Requires="a14">
+      <mc:AlternateContent xmlns:mc="http://schemas.openxmlformats.org/markup-compatibility/2006" xmlns:a14="http://schemas.microsoft.com/office/drawing/2010/main">
+        <mc:Choice Requires="a14">
           <p:sp>
             <p:nvSpPr>
               <p:cNvPr id="47" name="TextBox 46">
@@ -27164,7 +27532,7 @@
             </p:txBody>
           </p:sp>
         </mc:Choice>
-        <mc:Fallback>
+        <mc:Fallback xmlns="">
           <p:sp>
             <p:nvSpPr>
               <p:cNvPr id="47" name="TextBox 46">
@@ -27298,8 +27666,8 @@
           </a:fontRef>
         </p:style>
       </p:cxnSp>
-      <mc:AlternateContent xmlns:mc="http://schemas.openxmlformats.org/markup-compatibility/2006">
-        <mc:Choice xmlns:a14="http://schemas.microsoft.com/office/drawing/2010/main" Requires="a14">
+      <mc:AlternateContent xmlns:mc="http://schemas.openxmlformats.org/markup-compatibility/2006" xmlns:a14="http://schemas.microsoft.com/office/drawing/2010/main">
+        <mc:Choice Requires="a14">
           <p:sp>
             <p:nvSpPr>
               <p:cNvPr id="53" name="TextBox 52">
@@ -27399,7 +27767,7 @@
             </p:txBody>
           </p:sp>
         </mc:Choice>
-        <mc:Fallback>
+        <mc:Fallback xmlns="">
           <p:sp>
             <p:nvSpPr>
               <p:cNvPr id="53" name="TextBox 52">
@@ -27491,8 +27859,8 @@
           </a:fontRef>
         </p:style>
       </p:cxnSp>
-      <mc:AlternateContent xmlns:mc="http://schemas.openxmlformats.org/markup-compatibility/2006">
-        <mc:Choice xmlns:a14="http://schemas.microsoft.com/office/drawing/2010/main" Requires="a14">
+      <mc:AlternateContent xmlns:mc="http://schemas.openxmlformats.org/markup-compatibility/2006" xmlns:a14="http://schemas.microsoft.com/office/drawing/2010/main">
+        <mc:Choice Requires="a14">
           <p:sp>
             <p:nvSpPr>
               <p:cNvPr id="58" name="TextBox 57">
@@ -27638,7 +28006,7 @@
             </p:txBody>
           </p:sp>
         </mc:Choice>
-        <mc:Fallback>
+        <mc:Fallback xmlns="">
           <p:sp>
             <p:nvSpPr>
               <p:cNvPr id="58" name="TextBox 57">
@@ -27699,7 +28067,7 @@
         </p:nvCxnSpPr>
         <p:spPr>
           <a:xfrm flipV="1">
-            <a:off x="4007644" y="3849924"/>
+            <a:off x="4007644" y="3681244"/>
             <a:ext cx="698422" cy="280098"/>
           </a:xfrm>
           <a:prstGeom prst="straightConnector1">
@@ -27745,7 +28113,7 @@
         </p:nvCxnSpPr>
         <p:spPr>
           <a:xfrm flipV="1">
-            <a:off x="5347743" y="3870246"/>
+            <a:off x="5347743" y="3701566"/>
             <a:ext cx="692200" cy="259776"/>
           </a:xfrm>
           <a:prstGeom prst="straightConnector1">
@@ -27775,8 +28143,8 @@
           </a:fontRef>
         </p:style>
       </p:cxnSp>
-      <mc:AlternateContent xmlns:mc="http://schemas.openxmlformats.org/markup-compatibility/2006">
-        <mc:Choice xmlns:a14="http://schemas.microsoft.com/office/drawing/2010/main" Requires="a14">
+      <mc:AlternateContent xmlns:mc="http://schemas.openxmlformats.org/markup-compatibility/2006" xmlns:a14="http://schemas.microsoft.com/office/drawing/2010/main">
+        <mc:Choice Requires="a14">
           <p:sp>
             <p:nvSpPr>
               <p:cNvPr id="104" name="TextBox 103">
@@ -27855,7 +28223,7 @@
             </p:txBody>
           </p:sp>
         </mc:Choice>
-        <mc:Fallback>
+        <mc:Fallback xmlns="">
           <p:sp>
             <p:nvSpPr>
               <p:cNvPr id="104" name="TextBox 103">
@@ -27963,7 +28331,7 @@
         </p:nvCxnSpPr>
         <p:spPr>
           <a:xfrm>
-            <a:off x="3699644" y="4170051"/>
+            <a:off x="3699644" y="4001371"/>
             <a:ext cx="598759" cy="0"/>
           </a:xfrm>
           <a:prstGeom prst="line">
@@ -28007,7 +28375,7 @@
         </p:nvCxnSpPr>
         <p:spPr>
           <a:xfrm>
-            <a:off x="5161519" y="4170051"/>
+            <a:off x="5161519" y="4001371"/>
             <a:ext cx="372447" cy="0"/>
           </a:xfrm>
           <a:prstGeom prst="line">
@@ -28051,7 +28419,7 @@
         </p:nvCxnSpPr>
         <p:spPr>
           <a:xfrm>
-            <a:off x="3201465" y="4901571"/>
+            <a:off x="3201465" y="4732891"/>
             <a:ext cx="2317066" cy="0"/>
           </a:xfrm>
           <a:prstGeom prst="line">
@@ -28123,8 +28491,8 @@
           </a:fontRef>
         </p:style>
       </p:cxnSp>
-      <mc:AlternateContent xmlns:mc="http://schemas.openxmlformats.org/markup-compatibility/2006">
-        <mc:Choice xmlns:a14="http://schemas.microsoft.com/office/drawing/2010/main" Requires="a14">
+      <mc:AlternateContent xmlns:mc="http://schemas.openxmlformats.org/markup-compatibility/2006" xmlns:a14="http://schemas.microsoft.com/office/drawing/2010/main">
+        <mc:Choice Requires="a14">
           <p:sp>
             <p:nvSpPr>
               <p:cNvPr id="120" name="TextBox 119">
@@ -28189,7 +28557,7 @@
             </p:txBody>
           </p:sp>
         </mc:Choice>
-        <mc:Fallback>
+        <mc:Fallback xmlns="">
           <p:sp>
             <p:nvSpPr>
               <p:cNvPr id="120" name="TextBox 119">
@@ -28234,8 +28602,8 @@
           </p:sp>
         </mc:Fallback>
       </mc:AlternateContent>
-      <mc:AlternateContent xmlns:mc="http://schemas.openxmlformats.org/markup-compatibility/2006">
-        <mc:Choice xmlns:a14="http://schemas.microsoft.com/office/drawing/2010/main" Requires="a14">
+      <mc:AlternateContent xmlns:mc="http://schemas.openxmlformats.org/markup-compatibility/2006" xmlns:a14="http://schemas.microsoft.com/office/drawing/2010/main">
+        <mc:Choice Requires="a14">
           <p:sp>
             <p:nvSpPr>
               <p:cNvPr id="121" name="TextBox 120">
@@ -28294,7 +28662,7 @@
             </p:txBody>
           </p:sp>
         </mc:Choice>
-        <mc:Fallback>
+        <mc:Fallback xmlns="">
           <p:sp>
             <p:nvSpPr>
               <p:cNvPr id="121" name="TextBox 120">
@@ -28355,7 +28723,7 @@
             </p:nvSpPr>
             <p:spPr>
               <a:xfrm>
-                <a:off x="2328403" y="5032144"/>
+                <a:off x="2328403" y="4863464"/>
                 <a:ext cx="789876" cy="169277"/>
               </a:xfrm>
               <a:prstGeom prst="rect">
@@ -28416,7 +28784,7 @@
             </p:nvSpPr>
             <p:spPr>
               <a:xfrm>
-                <a:off x="2328403" y="5032144"/>
+                <a:off x="2328403" y="4863464"/>
                 <a:ext cx="789876" cy="169277"/>
               </a:xfrm>
               <a:prstGeom prst="rect">
@@ -28425,7 +28793,7 @@
               <a:blipFill>
                 <a:blip r:embed="rId29"/>
                 <a:stretch>
-                  <a:fillRect t="-28571" r="-3175" b="-50000"/>
+                  <a:fillRect t="-28571" r="-3077" b="-50000"/>
                 </a:stretch>
               </a:blipFill>
             </p:spPr>
@@ -28434,7 +28802,7 @@
               <a:lstStyle/>
               <a:p>
                 <a:r>
-                  <a:rPr lang="en-US">
+                  <a:rPr lang="en-CA">
                     <a:noFill/>
                   </a:rPr>
                   <a:t> </a:t>
@@ -28460,7 +28828,7 @@
             </p:nvSpPr>
             <p:spPr>
               <a:xfrm>
-                <a:off x="1779553" y="4797502"/>
+                <a:off x="1779553" y="4628822"/>
                 <a:ext cx="1330336" cy="169277"/>
               </a:xfrm>
               <a:prstGeom prst="rect">
@@ -28533,7 +28901,7 @@
             </p:nvSpPr>
             <p:spPr>
               <a:xfrm>
-                <a:off x="1779553" y="4797502"/>
+                <a:off x="1779553" y="4628822"/>
                 <a:ext cx="1330336" cy="169277"/>
               </a:xfrm>
               <a:prstGeom prst="rect">
@@ -28542,7 +28910,7 @@
               <a:blipFill>
                 <a:blip r:embed="rId30"/>
                 <a:stretch>
-                  <a:fillRect t="-20000" r="-2857" b="-40000"/>
+                  <a:fillRect t="-25000" r="-2294" b="-53571"/>
                 </a:stretch>
               </a:blipFill>
             </p:spPr>
@@ -28551,7 +28919,7 @@
               <a:lstStyle/>
               <a:p>
                 <a:r>
-                  <a:rPr lang="en-US">
+                  <a:rPr lang="en-CA">
                     <a:noFill/>
                   </a:rPr>
                   <a:t> </a:t>
@@ -28577,7 +28945,7 @@
             </p:nvSpPr>
             <p:spPr>
               <a:xfrm>
-                <a:off x="2433169" y="3723621"/>
+                <a:off x="2433169" y="3554941"/>
                 <a:ext cx="709662" cy="169277"/>
               </a:xfrm>
               <a:prstGeom prst="rect">
@@ -28647,7 +29015,7 @@
             </p:nvSpPr>
             <p:spPr>
               <a:xfrm>
-                <a:off x="2433169" y="3723621"/>
+                <a:off x="2433169" y="3554941"/>
                 <a:ext cx="709662" cy="169277"/>
               </a:xfrm>
               <a:prstGeom prst="rect">
@@ -28656,7 +29024,7 @@
               <a:blipFill>
                 <a:blip r:embed="rId31"/>
                 <a:stretch>
-                  <a:fillRect t="-28571" r="-7018" b="-42857"/>
+                  <a:fillRect t="-25000" r="-7692" b="-53571"/>
                 </a:stretch>
               </a:blipFill>
             </p:spPr>
@@ -28665,7 +29033,7 @@
               <a:lstStyle/>
               <a:p>
                 <a:r>
-                  <a:rPr lang="en-US">
+                  <a:rPr lang="en-CA">
                     <a:noFill/>
                   </a:rPr>
                   <a:t> </a:t>
@@ -28691,7 +29059,7 @@
             </p:nvSpPr>
             <p:spPr>
               <a:xfrm>
-                <a:off x="1735813" y="4055890"/>
+                <a:off x="1735813" y="3887210"/>
                 <a:ext cx="1399243" cy="169277"/>
               </a:xfrm>
               <a:prstGeom prst="rect">
@@ -28776,7 +29144,7 @@
             </p:nvSpPr>
             <p:spPr>
               <a:xfrm>
-                <a:off x="1735813" y="4055890"/>
+                <a:off x="1735813" y="3887210"/>
                 <a:ext cx="1399243" cy="169277"/>
               </a:xfrm>
               <a:prstGeom prst="rect">
@@ -28785,7 +29153,7 @@
               <a:blipFill>
                 <a:blip r:embed="rId32"/>
                 <a:stretch>
-                  <a:fillRect t="-28571" r="-2703" b="-42857"/>
+                  <a:fillRect t="-29630" r="-2183" b="-55556"/>
                 </a:stretch>
               </a:blipFill>
             </p:spPr>
@@ -28794,7 +29162,7 @@
               <a:lstStyle/>
               <a:p>
                 <a:r>
-                  <a:rPr lang="en-US">
+                  <a:rPr lang="en-CA">
                     <a:noFill/>
                   </a:rPr>
                   <a:t> </a:t>
@@ -28820,7 +29188,7 @@
         </p:nvCxnSpPr>
         <p:spPr>
           <a:xfrm>
-            <a:off x="4995248" y="3632145"/>
+            <a:off x="4995248" y="3463465"/>
             <a:ext cx="0" cy="711698"/>
           </a:xfrm>
           <a:prstGeom prst="line">
@@ -28851,8 +29219,8 @@
           </a:fontRef>
         </p:style>
       </p:cxnSp>
-      <mc:AlternateContent xmlns:mc="http://schemas.openxmlformats.org/markup-compatibility/2006">
-        <mc:Choice xmlns:a14="http://schemas.microsoft.com/office/drawing/2010/main" Requires="a14">
+      <mc:AlternateContent xmlns:mc="http://schemas.openxmlformats.org/markup-compatibility/2006" xmlns:a14="http://schemas.microsoft.com/office/drawing/2010/main">
+        <mc:Choice Requires="a14">
           <p:sp>
             <p:nvSpPr>
               <p:cNvPr id="131" name="TextBox 130">
@@ -28914,7 +29282,7 @@
             </p:txBody>
           </p:sp>
         </mc:Choice>
-        <mc:Fallback>
+        <mc:Fallback xmlns="">
           <p:sp>
             <p:nvSpPr>
               <p:cNvPr id="131" name="TextBox 130">
@@ -28975,7 +29343,7 @@
         </p:nvCxnSpPr>
         <p:spPr>
           <a:xfrm>
-            <a:off x="5847835" y="3655601"/>
+            <a:off x="5847835" y="3486921"/>
             <a:ext cx="0" cy="1708244"/>
           </a:xfrm>
           <a:prstGeom prst="line">
@@ -29022,7 +29390,7 @@
         </p:nvCxnSpPr>
         <p:spPr>
           <a:xfrm>
-            <a:off x="6224660" y="3660373"/>
+            <a:off x="6224660" y="3491693"/>
             <a:ext cx="0" cy="1708244"/>
           </a:xfrm>
           <a:prstGeom prst="line">
@@ -29069,7 +29437,7 @@
         </p:nvCxnSpPr>
         <p:spPr>
           <a:xfrm>
-            <a:off x="4180100" y="5106747"/>
+            <a:off x="4180100" y="4938067"/>
             <a:ext cx="0" cy="271434"/>
           </a:xfrm>
           <a:prstGeom prst="line">
@@ -29116,7 +29484,7 @@
             </p:nvSpPr>
             <p:spPr>
               <a:xfrm>
-                <a:off x="5391381" y="5386195"/>
+                <a:off x="5391381" y="5217515"/>
                 <a:ext cx="254300" cy="184666"/>
               </a:xfrm>
               <a:prstGeom prst="rect">
@@ -29187,7 +29555,7 @@
             </p:nvSpPr>
             <p:spPr>
               <a:xfrm>
-                <a:off x="5391381" y="5386195"/>
+                <a:off x="5391381" y="5217515"/>
                 <a:ext cx="254300" cy="184666"/>
               </a:xfrm>
               <a:prstGeom prst="rect">
@@ -29196,7 +29564,7 @@
               <a:blipFill>
                 <a:blip r:embed="rId34"/>
                 <a:stretch>
-                  <a:fillRect l="-19048" r="-28571" b="-13333"/>
+                  <a:fillRect l="-19048" r="-28571" b="-10000"/>
                 </a:stretch>
               </a:blipFill>
             </p:spPr>
@@ -29205,7 +29573,7 @@
               <a:lstStyle/>
               <a:p>
                 <a:r>
-                  <a:rPr lang="en-US">
+                  <a:rPr lang="en-CA">
                     <a:noFill/>
                   </a:rPr>
                   <a:t> </a:t>
@@ -29231,7 +29599,7 @@
         </p:nvCxnSpPr>
         <p:spPr>
           <a:xfrm>
-            <a:off x="3199343" y="5106747"/>
+            <a:off x="3199343" y="4938067"/>
             <a:ext cx="978840" cy="0"/>
           </a:xfrm>
           <a:prstGeom prst="line">
@@ -29272,7 +29640,7 @@
         </p:nvGrpSpPr>
         <p:grpSpPr>
           <a:xfrm>
-            <a:off x="3199344" y="4359132"/>
+            <a:off x="3199344" y="4190452"/>
             <a:ext cx="1972852" cy="276999"/>
             <a:chOff x="2049517" y="1135117"/>
             <a:chExt cx="2732688" cy="441435"/>
@@ -29381,7 +29749,7 @@
         </p:nvGrpSpPr>
         <p:grpSpPr>
           <a:xfrm>
-            <a:off x="5161520" y="4359133"/>
+            <a:off x="5161520" y="4190453"/>
             <a:ext cx="1491530" cy="277000"/>
             <a:chOff x="2049517" y="1135117"/>
             <a:chExt cx="2732688" cy="441435"/>
@@ -29490,14 +29858,14 @@
         </p:nvGrpSpPr>
         <p:grpSpPr>
           <a:xfrm>
-            <a:off x="3874254" y="5396135"/>
+            <a:off x="3874254" y="5227455"/>
             <a:ext cx="405168" cy="173467"/>
             <a:chOff x="3898390" y="5457506"/>
             <a:chExt cx="405168" cy="173467"/>
           </a:xfrm>
         </p:grpSpPr>
-        <mc:AlternateContent xmlns:mc="http://schemas.openxmlformats.org/markup-compatibility/2006">
-          <mc:Choice xmlns:a14="http://schemas.microsoft.com/office/drawing/2010/main" Requires="a14">
+        <mc:AlternateContent xmlns:mc="http://schemas.openxmlformats.org/markup-compatibility/2006" xmlns:a14="http://schemas.microsoft.com/office/drawing/2010/main">
+          <mc:Choice Requires="a14">
             <p:sp>
               <p:nvSpPr>
                 <p:cNvPr id="140" name="TextBox 139">
@@ -29566,7 +29934,7 @@
               </p:txBody>
             </p:sp>
           </mc:Choice>
-          <mc:Fallback>
+          <mc:Fallback xmlns="">
             <p:sp>
               <p:nvSpPr>
                 <p:cNvPr id="140" name="TextBox 139">
@@ -29611,8 +29979,8 @@
             </p:sp>
           </mc:Fallback>
         </mc:AlternateContent>
-        <mc:AlternateContent xmlns:mc="http://schemas.openxmlformats.org/markup-compatibility/2006">
-          <mc:Choice xmlns:a14="http://schemas.microsoft.com/office/drawing/2010/main" Requires="a14">
+        <mc:AlternateContent xmlns:mc="http://schemas.openxmlformats.org/markup-compatibility/2006" xmlns:a14="http://schemas.microsoft.com/office/drawing/2010/main">
+          <mc:Choice Requires="a14">
             <p:sp>
               <p:nvSpPr>
                 <p:cNvPr id="163" name="TextBox 162">
@@ -29681,7 +30049,7 @@
               </p:txBody>
             </p:sp>
           </mc:Choice>
-          <mc:Fallback>
+          <mc:Fallback xmlns="">
             <p:sp>
               <p:nvSpPr>
                 <p:cNvPr id="163" name="TextBox 162">
@@ -29726,8 +30094,8 @@
             </p:sp>
           </mc:Fallback>
         </mc:AlternateContent>
-        <mc:AlternateContent xmlns:mc="http://schemas.openxmlformats.org/markup-compatibility/2006">
-          <mc:Choice xmlns:a14="http://schemas.microsoft.com/office/drawing/2010/main" Requires="a14">
+        <mc:AlternateContent xmlns:mc="http://schemas.openxmlformats.org/markup-compatibility/2006" xmlns:a14="http://schemas.microsoft.com/office/drawing/2010/main">
+          <mc:Choice Requires="a14">
             <p:sp>
               <p:nvSpPr>
                 <p:cNvPr id="164" name="TextBox 163">
@@ -29777,7 +30145,7 @@
               </p:txBody>
             </p:sp>
           </mc:Choice>
-          <mc:Fallback>
+          <mc:Fallback xmlns="">
             <p:sp>
               <p:nvSpPr>
                 <p:cNvPr id="164" name="TextBox 163">
@@ -29889,7 +30257,7 @@
         </p:nvSpPr>
         <p:spPr>
           <a:xfrm>
-            <a:off x="3142830" y="5812208"/>
+            <a:off x="3142830" y="5643528"/>
             <a:ext cx="3629927" cy="287768"/>
           </a:xfrm>
           <a:prstGeom prst="rect">
@@ -29944,7 +30312,7 @@
         </p:nvCxnSpPr>
         <p:spPr>
           <a:xfrm>
-            <a:off x="4957794" y="5812208"/>
+            <a:off x="4957794" y="5643528"/>
             <a:ext cx="0" cy="287768"/>
           </a:xfrm>
           <a:prstGeom prst="line">
